--- a/docs/lectures/00-Mini.pptx
+++ b/docs/lectures/00-Mini.pptx
@@ -5,19 +5,28 @@
     <p:sldMasterId id="2147483660" r:id="rId1"/>
   </p:sldMasterIdLst>
   <p:notesMasterIdLst>
-    <p:notesMasterId r:id="rId12"/>
+    <p:notesMasterId r:id="rId21"/>
   </p:notesMasterIdLst>
   <p:sldIdLst>
     <p:sldId id="256" r:id="rId2"/>
-    <p:sldId id="267" r:id="rId3"/>
-    <p:sldId id="285" r:id="rId4"/>
-    <p:sldId id="277" r:id="rId5"/>
-    <p:sldId id="298" r:id="rId6"/>
-    <p:sldId id="297" r:id="rId7"/>
-    <p:sldId id="280" r:id="rId8"/>
-    <p:sldId id="292" r:id="rId9"/>
-    <p:sldId id="299" r:id="rId10"/>
-    <p:sldId id="300" r:id="rId11"/>
+    <p:sldId id="285" r:id="rId3"/>
+    <p:sldId id="302" r:id="rId4"/>
+    <p:sldId id="301" r:id="rId5"/>
+    <p:sldId id="303" r:id="rId6"/>
+    <p:sldId id="267" r:id="rId7"/>
+    <p:sldId id="277" r:id="rId8"/>
+    <p:sldId id="298" r:id="rId9"/>
+    <p:sldId id="297" r:id="rId10"/>
+    <p:sldId id="304" r:id="rId11"/>
+    <p:sldId id="305" r:id="rId12"/>
+    <p:sldId id="280" r:id="rId13"/>
+    <p:sldId id="299" r:id="rId14"/>
+    <p:sldId id="306" r:id="rId15"/>
+    <p:sldId id="307" r:id="rId16"/>
+    <p:sldId id="300" r:id="rId17"/>
+    <p:sldId id="308" r:id="rId18"/>
+    <p:sldId id="309" r:id="rId19"/>
+    <p:sldId id="310" r:id="rId20"/>
   </p:sldIdLst>
   <p:sldSz cx="9144000" cy="6858000" type="screen4x3"/>
   <p:notesSz cx="6858000" cy="9144000"/>
@@ -201,7 +210,7 @@
           <a:p>
             <a:fld id="{EBBA9A62-8DDB-0E41-B256-304B37729760}" type="datetimeFigureOut">
               <a:rPr lang="en-US" smtClean="0"/>
-              <a:t>5/21/16</a:t>
+              <a:t>5/22/16</a:t>
             </a:fld>
             <a:endParaRPr lang="en-US"/>
           </a:p>
@@ -627,7 +636,7 @@
     </p:spTree>
     <p:extLst>
       <p:ext uri="{BB962C8B-B14F-4D97-AF65-F5344CB8AC3E}">
-        <p14:creationId xmlns:p14="http://schemas.microsoft.com/office/powerpoint/2010/main" val="3605274341"/>
+        <p14:creationId xmlns:p14="http://schemas.microsoft.com/office/powerpoint/2010/main" val="1207697932"/>
       </p:ext>
     </p:extLst>
   </p:cSld>
@@ -702,7 +711,7 @@
           <a:p>
             <a:fld id="{62ABD1DD-85B7-1A4E-8CDE-50088CCF2F1A}" type="slidenum">
               <a:rPr lang="en-US" smtClean="0"/>
-              <a:t>3</a:t>
+              <a:t>6</a:t>
             </a:fld>
             <a:endParaRPr lang="en-US"/>
           </a:p>
@@ -711,7 +720,7 @@
     </p:spTree>
     <p:extLst>
       <p:ext uri="{BB962C8B-B14F-4D97-AF65-F5344CB8AC3E}">
-        <p14:creationId xmlns:p14="http://schemas.microsoft.com/office/powerpoint/2010/main" val="1207697932"/>
+        <p14:creationId xmlns:p14="http://schemas.microsoft.com/office/powerpoint/2010/main" val="3605274341"/>
       </p:ext>
     </p:extLst>
   </p:cSld>
@@ -786,7 +795,7 @@
           <a:p>
             <a:fld id="{62ABD1DD-85B7-1A4E-8CDE-50088CCF2F1A}" type="slidenum">
               <a:rPr lang="en-US" smtClean="0"/>
-              <a:t>4</a:t>
+              <a:t>7</a:t>
             </a:fld>
             <a:endParaRPr lang="en-US"/>
           </a:p>
@@ -870,7 +879,7 @@
           <a:p>
             <a:fld id="{62ABD1DD-85B7-1A4E-8CDE-50088CCF2F1A}" type="slidenum">
               <a:rPr lang="en-US" smtClean="0"/>
-              <a:t>7</a:t>
+              <a:t>12</a:t>
             </a:fld>
             <a:endParaRPr lang="en-US"/>
           </a:p>
@@ -954,7 +963,7 @@
           <a:p>
             <a:fld id="{62ABD1DD-85B7-1A4E-8CDE-50088CCF2F1A}" type="slidenum">
               <a:rPr lang="en-US" smtClean="0"/>
-              <a:t>8</a:t>
+              <a:t>13</a:t>
             </a:fld>
             <a:endParaRPr lang="en-US"/>
           </a:p>
@@ -1038,7 +1047,7 @@
           <a:p>
             <a:fld id="{62ABD1DD-85B7-1A4E-8CDE-50088CCF2F1A}" type="slidenum">
               <a:rPr lang="en-US" smtClean="0"/>
-              <a:t>9</a:t>
+              <a:t>16</a:t>
             </a:fld>
             <a:endParaRPr lang="en-US"/>
           </a:p>
@@ -1122,7 +1131,7 @@
           <a:p>
             <a:fld id="{62ABD1DD-85B7-1A4E-8CDE-50088CCF2F1A}" type="slidenum">
               <a:rPr lang="en-US" smtClean="0"/>
-              <a:t>10</a:t>
+              <a:t>17</a:t>
             </a:fld>
             <a:endParaRPr lang="en-US"/>
           </a:p>
@@ -1320,7 +1329,7 @@
           <a:p>
             <a:fld id="{843616F3-59E4-1848-8639-5E6A7639CF96}" type="datetimeFigureOut">
               <a:rPr lang="en-US" smtClean="0"/>
-              <a:t>5/21/16</a:t>
+              <a:t>5/22/16</a:t>
             </a:fld>
             <a:endParaRPr lang="en-US"/>
           </a:p>
@@ -1490,7 +1499,7 @@
           <a:p>
             <a:fld id="{843616F3-59E4-1848-8639-5E6A7639CF96}" type="datetimeFigureOut">
               <a:rPr lang="en-US" smtClean="0"/>
-              <a:t>5/21/16</a:t>
+              <a:t>5/22/16</a:t>
             </a:fld>
             <a:endParaRPr lang="en-US"/>
           </a:p>
@@ -1670,7 +1679,7 @@
           <a:p>
             <a:fld id="{843616F3-59E4-1848-8639-5E6A7639CF96}" type="datetimeFigureOut">
               <a:rPr lang="en-US" smtClean="0"/>
-              <a:t>5/21/16</a:t>
+              <a:t>5/22/16</a:t>
             </a:fld>
             <a:endParaRPr lang="en-US"/>
           </a:p>
@@ -1840,7 +1849,7 @@
           <a:p>
             <a:fld id="{843616F3-59E4-1848-8639-5E6A7639CF96}" type="datetimeFigureOut">
               <a:rPr lang="en-US" smtClean="0"/>
-              <a:t>5/21/16</a:t>
+              <a:t>5/22/16</a:t>
             </a:fld>
             <a:endParaRPr lang="en-US"/>
           </a:p>
@@ -2086,7 +2095,7 @@
           <a:p>
             <a:fld id="{843616F3-59E4-1848-8639-5E6A7639CF96}" type="datetimeFigureOut">
               <a:rPr lang="en-US" smtClean="0"/>
-              <a:t>5/21/16</a:t>
+              <a:t>5/22/16</a:t>
             </a:fld>
             <a:endParaRPr lang="en-US"/>
           </a:p>
@@ -2374,7 +2383,7 @@
           <a:p>
             <a:fld id="{843616F3-59E4-1848-8639-5E6A7639CF96}" type="datetimeFigureOut">
               <a:rPr lang="en-US" smtClean="0"/>
-              <a:t>5/21/16</a:t>
+              <a:t>5/22/16</a:t>
             </a:fld>
             <a:endParaRPr lang="en-US"/>
           </a:p>
@@ -2796,7 +2805,7 @@
           <a:p>
             <a:fld id="{843616F3-59E4-1848-8639-5E6A7639CF96}" type="datetimeFigureOut">
               <a:rPr lang="en-US" smtClean="0"/>
-              <a:t>5/21/16</a:t>
+              <a:t>5/22/16</a:t>
             </a:fld>
             <a:endParaRPr lang="en-US"/>
           </a:p>
@@ -2914,7 +2923,7 @@
           <a:p>
             <a:fld id="{843616F3-59E4-1848-8639-5E6A7639CF96}" type="datetimeFigureOut">
               <a:rPr lang="en-US" smtClean="0"/>
-              <a:t>5/21/16</a:t>
+              <a:t>5/22/16</a:t>
             </a:fld>
             <a:endParaRPr lang="en-US"/>
           </a:p>
@@ -3009,7 +3018,7 @@
           <a:p>
             <a:fld id="{843616F3-59E4-1848-8639-5E6A7639CF96}" type="datetimeFigureOut">
               <a:rPr lang="en-US" smtClean="0"/>
-              <a:t>5/21/16</a:t>
+              <a:t>5/22/16</a:t>
             </a:fld>
             <a:endParaRPr lang="en-US"/>
           </a:p>
@@ -3286,7 +3295,7 @@
           <a:p>
             <a:fld id="{843616F3-59E4-1848-8639-5E6A7639CF96}" type="datetimeFigureOut">
               <a:rPr lang="en-US" smtClean="0"/>
-              <a:t>5/21/16</a:t>
+              <a:t>5/22/16</a:t>
             </a:fld>
             <a:endParaRPr lang="en-US"/>
           </a:p>
@@ -3543,7 +3552,7 @@
           <a:p>
             <a:fld id="{843616F3-59E4-1848-8639-5E6A7639CF96}" type="datetimeFigureOut">
               <a:rPr lang="en-US" smtClean="0"/>
-              <a:t>5/21/16</a:t>
+              <a:t>5/22/16</a:t>
             </a:fld>
             <a:endParaRPr lang="en-US"/>
           </a:p>
@@ -3756,7 +3765,7 @@
           <a:p>
             <a:fld id="{843616F3-59E4-1848-8639-5E6A7639CF96}" type="datetimeFigureOut">
               <a:rPr lang="en-US" smtClean="0"/>
-              <a:t>5/21/16</a:t>
+              <a:t>5/22/16</a:t>
             </a:fld>
             <a:endParaRPr lang="en-US"/>
           </a:p>
@@ -4380,6 +4389,1243 @@
       </p:grpSpPr>
       <p:sp>
         <p:nvSpPr>
+          <p:cNvPr id="2" name="Title 1"/>
+          <p:cNvSpPr>
+            <a:spLocks noGrp="1"/>
+          </p:cNvSpPr>
+          <p:nvPr>
+            <p:ph type="title"/>
+          </p:nvPr>
+        </p:nvSpPr>
+        <p:spPr/>
+        <p:txBody>
+          <a:bodyPr/>
+          <a:lstStyle/>
+          <a:p>
+            <a:r>
+              <a:rPr lang="en-US" dirty="0" smtClean="0"/>
+              <a:t>PHP </a:t>
+            </a:r>
+            <a:r>
+              <a:rPr lang="en-US" dirty="0" err="1" smtClean="0"/>
+              <a:t>Tsugi</a:t>
+            </a:r>
+            <a:r>
+              <a:rPr lang="en-US" dirty="0" smtClean="0"/>
+              <a:t> Components</a:t>
+            </a:r>
+            <a:endParaRPr lang="en-US" dirty="0"/>
+          </a:p>
+        </p:txBody>
+      </p:sp>
+      <p:sp>
+        <p:nvSpPr>
+          <p:cNvPr id="3" name="Content Placeholder 2"/>
+          <p:cNvSpPr>
+            <a:spLocks noGrp="1"/>
+          </p:cNvSpPr>
+          <p:nvPr>
+            <p:ph idx="1"/>
+          </p:nvPr>
+        </p:nvSpPr>
+        <p:spPr/>
+        <p:txBody>
+          <a:bodyPr/>
+          <a:lstStyle/>
+          <a:p>
+            <a:r>
+              <a:rPr lang="en-US" dirty="0"/>
+              <a:t>Admin, Developer, and Management </a:t>
+            </a:r>
+            <a:r>
+              <a:rPr lang="en-US" dirty="0" smtClean="0"/>
+              <a:t>Console</a:t>
+            </a:r>
+          </a:p>
+          <a:p>
+            <a:pPr lvl="1"/>
+            <a:r>
+              <a:rPr lang="en-US" dirty="0"/>
+              <a:t>https://</a:t>
+            </a:r>
+            <a:r>
+              <a:rPr lang="en-US" dirty="0" err="1"/>
+              <a:t>github.com</a:t>
+            </a:r>
+            <a:r>
+              <a:rPr lang="en-US" dirty="0"/>
+              <a:t>/csev/</a:t>
+            </a:r>
+            <a:r>
+              <a:rPr lang="en-US" dirty="0" err="1" smtClean="0"/>
+              <a:t>tsugi</a:t>
+            </a:r>
+            <a:endParaRPr lang="en-US" dirty="0" smtClean="0"/>
+          </a:p>
+          <a:p>
+            <a:r>
+              <a:rPr lang="en-US" dirty="0"/>
+              <a:t>Core PHP Library</a:t>
+            </a:r>
+          </a:p>
+          <a:p>
+            <a:pPr lvl="1"/>
+            <a:r>
+              <a:rPr lang="en-US" dirty="0"/>
+              <a:t>https://</a:t>
+            </a:r>
+            <a:r>
+              <a:rPr lang="en-US" dirty="0" err="1"/>
+              <a:t>github.com</a:t>
+            </a:r>
+            <a:r>
+              <a:rPr lang="en-US" dirty="0"/>
+              <a:t>/csev/</a:t>
+            </a:r>
+            <a:r>
+              <a:rPr lang="en-US" dirty="0" err="1"/>
+              <a:t>tsugi-php</a:t>
+            </a:r>
+            <a:endParaRPr lang="en-US" dirty="0"/>
+          </a:p>
+          <a:p>
+            <a:pPr lvl="1"/>
+            <a:r>
+              <a:rPr lang="en-US" dirty="0" smtClean="0"/>
+              <a:t>http</a:t>
+            </a:r>
+            <a:r>
+              <a:rPr lang="en-US" dirty="0"/>
+              <a:t>://do1.dr-chuck.com/</a:t>
+            </a:r>
+            <a:r>
+              <a:rPr lang="en-US" dirty="0" err="1"/>
+              <a:t>tsugi</a:t>
+            </a:r>
+            <a:r>
+              <a:rPr lang="en-US" dirty="0"/>
+              <a:t>/</a:t>
+            </a:r>
+            <a:r>
+              <a:rPr lang="en-US" dirty="0" err="1"/>
+              <a:t>phpdoc</a:t>
+            </a:r>
+            <a:r>
+              <a:rPr lang="en-US" dirty="0"/>
+              <a:t>/namespaces/</a:t>
+            </a:r>
+            <a:r>
+              <a:rPr lang="en-US" dirty="0" err="1" smtClean="0"/>
+              <a:t>Tsugi.html</a:t>
+            </a:r>
+            <a:endParaRPr lang="en-US" dirty="0" smtClean="0"/>
+          </a:p>
+          <a:p>
+            <a:r>
+              <a:rPr lang="en-US" dirty="0" smtClean="0"/>
+              <a:t>Basic Module Set</a:t>
+            </a:r>
+          </a:p>
+          <a:p>
+            <a:pPr lvl="1"/>
+            <a:r>
+              <a:rPr lang="en-US" dirty="0"/>
+              <a:t>https://</a:t>
+            </a:r>
+            <a:r>
+              <a:rPr lang="en-US" dirty="0" err="1"/>
+              <a:t>github.com</a:t>
+            </a:r>
+            <a:r>
+              <a:rPr lang="en-US" dirty="0"/>
+              <a:t>/csev/</a:t>
+            </a:r>
+            <a:r>
+              <a:rPr lang="en-US" dirty="0" err="1"/>
+              <a:t>tsugi</a:t>
+            </a:r>
+            <a:r>
+              <a:rPr lang="en-US" dirty="0"/>
+              <a:t>-</a:t>
+            </a:r>
+            <a:r>
+              <a:rPr lang="en-US" dirty="0" err="1"/>
+              <a:t>php</a:t>
+            </a:r>
+            <a:r>
+              <a:rPr lang="en-US" dirty="0"/>
+              <a:t>-</a:t>
+            </a:r>
+            <a:r>
+              <a:rPr lang="en-US" dirty="0" smtClean="0"/>
+              <a:t>mod</a:t>
+            </a:r>
+          </a:p>
+          <a:p>
+            <a:pPr lvl="1"/>
+            <a:endParaRPr lang="en-US" dirty="0"/>
+          </a:p>
+          <a:p>
+            <a:pPr lvl="2"/>
+            <a:endParaRPr lang="en-US" dirty="0"/>
+          </a:p>
+        </p:txBody>
+      </p:sp>
+    </p:spTree>
+    <p:extLst>
+      <p:ext uri="{BB962C8B-B14F-4D97-AF65-F5344CB8AC3E}">
+        <p14:creationId xmlns:p14="http://schemas.microsoft.com/office/powerpoint/2010/main" val="248131059"/>
+      </p:ext>
+    </p:extLst>
+  </p:cSld>
+  <p:clrMapOvr>
+    <a:masterClrMapping/>
+  </p:clrMapOvr>
+</p:sld>
+</file>
+
+<file path=ppt/slides/slide11.xml><?xml version="1.0" encoding="utf-8"?>
+<p:sld xmlns:a="http://schemas.openxmlformats.org/drawingml/2006/main" xmlns:r="http://schemas.openxmlformats.org/officeDocument/2006/relationships" xmlns:p="http://schemas.openxmlformats.org/presentationml/2006/main">
+  <p:cSld>
+    <p:spTree>
+      <p:nvGrpSpPr>
+        <p:cNvPr id="1" name=""/>
+        <p:cNvGrpSpPr/>
+        <p:nvPr/>
+      </p:nvGrpSpPr>
+      <p:grpSpPr>
+        <a:xfrm>
+          <a:off x="0" y="0"/>
+          <a:ext cx="0" cy="0"/>
+          <a:chOff x="0" y="0"/>
+          <a:chExt cx="0" cy="0"/>
+        </a:xfrm>
+      </p:grpSpPr>
+      <p:sp>
+        <p:nvSpPr>
+          <p:cNvPr id="2" name="Title 1"/>
+          <p:cNvSpPr>
+            <a:spLocks noGrp="1"/>
+          </p:cNvSpPr>
+          <p:nvPr>
+            <p:ph type="title"/>
+          </p:nvPr>
+        </p:nvSpPr>
+        <p:spPr/>
+        <p:txBody>
+          <a:bodyPr/>
+          <a:lstStyle/>
+          <a:p>
+            <a:r>
+              <a:rPr lang="en-US" dirty="0" smtClean="0"/>
+              <a:t>PHP </a:t>
+            </a:r>
+            <a:r>
+              <a:rPr lang="en-US" dirty="0" err="1" smtClean="0"/>
+              <a:t>Tsugi</a:t>
+            </a:r>
+            <a:r>
+              <a:rPr lang="en-US" dirty="0" smtClean="0"/>
+              <a:t> Components</a:t>
+            </a:r>
+            <a:endParaRPr lang="en-US" dirty="0"/>
+          </a:p>
+        </p:txBody>
+      </p:sp>
+      <p:sp>
+        <p:nvSpPr>
+          <p:cNvPr id="3" name="Content Placeholder 2"/>
+          <p:cNvSpPr>
+            <a:spLocks noGrp="1"/>
+          </p:cNvSpPr>
+          <p:nvPr>
+            <p:ph idx="1"/>
+          </p:nvPr>
+        </p:nvSpPr>
+        <p:spPr/>
+        <p:txBody>
+          <a:bodyPr/>
+          <a:lstStyle/>
+          <a:p>
+            <a:r>
+              <a:rPr lang="en-US" dirty="0"/>
+              <a:t>Static content (shared / CDN)</a:t>
+            </a:r>
+          </a:p>
+          <a:p>
+            <a:pPr lvl="1"/>
+            <a:r>
+              <a:rPr lang="en-US" dirty="0"/>
+              <a:t>https://</a:t>
+            </a:r>
+            <a:r>
+              <a:rPr lang="en-US" dirty="0" err="1"/>
+              <a:t>github.com</a:t>
+            </a:r>
+            <a:r>
+              <a:rPr lang="en-US" dirty="0"/>
+              <a:t>/csev/</a:t>
+            </a:r>
+            <a:r>
+              <a:rPr lang="en-US" dirty="0" err="1"/>
+              <a:t>tsugi</a:t>
+            </a:r>
+            <a:r>
+              <a:rPr lang="en-US" dirty="0"/>
+              <a:t>-static</a:t>
+            </a:r>
+          </a:p>
+          <a:p>
+            <a:r>
+              <a:rPr lang="en-US" dirty="0" smtClean="0"/>
+              <a:t>Sample </a:t>
+            </a:r>
+            <a:r>
+              <a:rPr lang="en-US" dirty="0" err="1" smtClean="0"/>
+              <a:t>Tsugi</a:t>
+            </a:r>
+            <a:r>
+              <a:rPr lang="en-US" dirty="0" smtClean="0"/>
+              <a:t> Module</a:t>
+            </a:r>
+          </a:p>
+          <a:p>
+            <a:pPr lvl="1"/>
+            <a:r>
+              <a:rPr lang="en-US" dirty="0"/>
+              <a:t>https://</a:t>
+            </a:r>
+            <a:r>
+              <a:rPr lang="en-US" dirty="0" err="1"/>
+              <a:t>github.com</a:t>
+            </a:r>
+            <a:r>
+              <a:rPr lang="en-US" dirty="0"/>
+              <a:t>/csev/</a:t>
+            </a:r>
+            <a:r>
+              <a:rPr lang="en-US" dirty="0" err="1"/>
+              <a:t>tsugi</a:t>
+            </a:r>
+            <a:r>
+              <a:rPr lang="en-US" dirty="0"/>
+              <a:t>-</a:t>
+            </a:r>
+            <a:r>
+              <a:rPr lang="en-US" dirty="0" err="1"/>
+              <a:t>php</a:t>
+            </a:r>
+            <a:r>
+              <a:rPr lang="en-US" dirty="0"/>
+              <a:t>-</a:t>
+            </a:r>
+            <a:r>
+              <a:rPr lang="en-US" dirty="0" smtClean="0"/>
+              <a:t>module</a:t>
+            </a:r>
+          </a:p>
+          <a:p>
+            <a:r>
+              <a:rPr lang="en-US" dirty="0" smtClean="0"/>
+              <a:t>Sample </a:t>
+            </a:r>
+            <a:r>
+              <a:rPr lang="en-US" dirty="0" err="1" smtClean="0"/>
+              <a:t>Tsugi</a:t>
+            </a:r>
+            <a:r>
+              <a:rPr lang="en-US" dirty="0" smtClean="0"/>
+              <a:t> Standalone Application</a:t>
+            </a:r>
+          </a:p>
+          <a:p>
+            <a:pPr lvl="1"/>
+            <a:r>
+              <a:rPr lang="en-US" dirty="0"/>
+              <a:t>https://</a:t>
+            </a:r>
+            <a:r>
+              <a:rPr lang="en-US" dirty="0" err="1"/>
+              <a:t>github.com</a:t>
+            </a:r>
+            <a:r>
+              <a:rPr lang="en-US" dirty="0"/>
+              <a:t>/csev/</a:t>
+            </a:r>
+            <a:r>
+              <a:rPr lang="en-US" dirty="0" err="1"/>
+              <a:t>tsugi</a:t>
+            </a:r>
+            <a:r>
+              <a:rPr lang="en-US" dirty="0"/>
+              <a:t>-</a:t>
+            </a:r>
+            <a:r>
+              <a:rPr lang="en-US" dirty="0" err="1"/>
+              <a:t>php</a:t>
+            </a:r>
+            <a:r>
+              <a:rPr lang="en-US" dirty="0"/>
+              <a:t>-</a:t>
+            </a:r>
+            <a:r>
+              <a:rPr lang="en-US" dirty="0" smtClean="0"/>
+              <a:t>standalone</a:t>
+            </a:r>
+          </a:p>
+          <a:p>
+            <a:r>
+              <a:rPr lang="en-US" dirty="0"/>
+              <a:t>Exercises for Course/Workshop</a:t>
+            </a:r>
+          </a:p>
+          <a:p>
+            <a:pPr lvl="1"/>
+            <a:r>
+              <a:rPr lang="en-US" dirty="0"/>
+              <a:t>https://</a:t>
+            </a:r>
+            <a:r>
+              <a:rPr lang="en-US" dirty="0" err="1"/>
+              <a:t>github.com</a:t>
+            </a:r>
+            <a:r>
+              <a:rPr lang="en-US" dirty="0"/>
+              <a:t>/csev/</a:t>
+            </a:r>
+            <a:r>
+              <a:rPr lang="en-US" dirty="0" err="1"/>
+              <a:t>tsugi</a:t>
+            </a:r>
+            <a:r>
+              <a:rPr lang="en-US" dirty="0"/>
+              <a:t>-</a:t>
+            </a:r>
+            <a:r>
+              <a:rPr lang="en-US" dirty="0" err="1"/>
+              <a:t>php</a:t>
+            </a:r>
+            <a:r>
+              <a:rPr lang="en-US" dirty="0"/>
+              <a:t>-exercises</a:t>
+            </a:r>
+          </a:p>
+          <a:p>
+            <a:pPr marL="0" indent="0">
+              <a:buNone/>
+            </a:pPr>
+            <a:endParaRPr lang="en-US" dirty="0"/>
+          </a:p>
+        </p:txBody>
+      </p:sp>
+    </p:spTree>
+    <p:extLst>
+      <p:ext uri="{BB962C8B-B14F-4D97-AF65-F5344CB8AC3E}">
+        <p14:creationId xmlns:p14="http://schemas.microsoft.com/office/powerpoint/2010/main" val="249501047"/>
+      </p:ext>
+    </p:extLst>
+  </p:cSld>
+  <p:clrMapOvr>
+    <a:masterClrMapping/>
+  </p:clrMapOvr>
+</p:sld>
+</file>
+
+<file path=ppt/slides/slide12.xml><?xml version="1.0" encoding="utf-8"?>
+<p:sld xmlns:a="http://schemas.openxmlformats.org/drawingml/2006/main" xmlns:r="http://schemas.openxmlformats.org/officeDocument/2006/relationships" xmlns:p="http://schemas.openxmlformats.org/presentationml/2006/main">
+  <p:cSld>
+    <p:spTree>
+      <p:nvGrpSpPr>
+        <p:cNvPr id="1" name=""/>
+        <p:cNvGrpSpPr/>
+        <p:nvPr/>
+      </p:nvGrpSpPr>
+      <p:grpSpPr>
+        <a:xfrm>
+          <a:off x="0" y="0"/>
+          <a:ext cx="0" cy="0"/>
+          <a:chOff x="0" y="0"/>
+          <a:chExt cx="0" cy="0"/>
+        </a:xfrm>
+      </p:grpSpPr>
+      <p:sp>
+        <p:nvSpPr>
+          <p:cNvPr id="2" name="Title 1"/>
+          <p:cNvSpPr>
+            <a:spLocks noGrp="1"/>
+          </p:cNvSpPr>
+          <p:nvPr>
+            <p:ph type="title"/>
+          </p:nvPr>
+        </p:nvSpPr>
+        <p:spPr/>
+        <p:txBody>
+          <a:bodyPr/>
+          <a:lstStyle/>
+          <a:p>
+            <a:r>
+              <a:rPr lang="en-US" dirty="0" smtClean="0"/>
+              <a:t>Online Demo PHP </a:t>
+            </a:r>
+            <a:r>
+              <a:rPr lang="en-US" dirty="0" err="1" smtClean="0"/>
+              <a:t>Tsugi</a:t>
+            </a:r>
+            <a:endParaRPr lang="en-US" dirty="0"/>
+          </a:p>
+        </p:txBody>
+      </p:sp>
+      <p:sp>
+        <p:nvSpPr>
+          <p:cNvPr id="3" name="Content Placeholder 2"/>
+          <p:cNvSpPr>
+            <a:spLocks noGrp="1"/>
+          </p:cNvSpPr>
+          <p:nvPr>
+            <p:ph idx="1"/>
+          </p:nvPr>
+        </p:nvSpPr>
+        <p:spPr>
+          <a:xfrm>
+            <a:off x="457200" y="2188615"/>
+            <a:ext cx="8229600" cy="2701995"/>
+          </a:xfrm>
+        </p:spPr>
+        <p:txBody>
+          <a:bodyPr/>
+          <a:lstStyle/>
+          <a:p>
+            <a:r>
+              <a:rPr lang="en-US" dirty="0" smtClean="0"/>
+              <a:t>https://</a:t>
+            </a:r>
+            <a:r>
+              <a:rPr lang="en-US" dirty="0" err="1" smtClean="0"/>
+              <a:t>lti-tools.dr-chuck.com</a:t>
+            </a:r>
+            <a:r>
+              <a:rPr lang="en-US" dirty="0" smtClean="0"/>
+              <a:t>/</a:t>
+            </a:r>
+            <a:r>
+              <a:rPr lang="en-US" dirty="0" err="1" smtClean="0"/>
+              <a:t>tsugi</a:t>
+            </a:r>
+            <a:r>
+              <a:rPr lang="en-US" dirty="0" smtClean="0"/>
+              <a:t>/</a:t>
+            </a:r>
+          </a:p>
+          <a:p>
+            <a:pPr lvl="1"/>
+            <a:r>
+              <a:rPr lang="en-US" dirty="0" smtClean="0"/>
+              <a:t>Developer mode (pw = secret)</a:t>
+            </a:r>
+          </a:p>
+          <a:p>
+            <a:pPr lvl="1"/>
+            <a:r>
+              <a:rPr lang="en-US" dirty="0" smtClean="0"/>
+              <a:t>Apply for keys</a:t>
+            </a:r>
+            <a:endParaRPr lang="en-US" dirty="0"/>
+          </a:p>
+          <a:p>
+            <a:pPr marL="0" indent="0">
+              <a:buNone/>
+            </a:pPr>
+            <a:endParaRPr lang="en-US" dirty="0"/>
+          </a:p>
+        </p:txBody>
+      </p:sp>
+    </p:spTree>
+    <p:extLst>
+      <p:ext uri="{BB962C8B-B14F-4D97-AF65-F5344CB8AC3E}">
+        <p14:creationId xmlns:p14="http://schemas.microsoft.com/office/powerpoint/2010/main" val="2811272218"/>
+      </p:ext>
+    </p:extLst>
+  </p:cSld>
+  <p:clrMapOvr>
+    <a:masterClrMapping/>
+  </p:clrMapOvr>
+  <p:timing>
+    <p:tnLst>
+      <p:par>
+        <p:cTn xmlns:p14="http://schemas.microsoft.com/office/powerpoint/2010/main" id="1" dur="indefinite" restart="never" nodeType="tmRoot"/>
+      </p:par>
+    </p:tnLst>
+  </p:timing>
+</p:sld>
+</file>
+
+<file path=ppt/slides/slide13.xml><?xml version="1.0" encoding="utf-8"?>
+<p:sld xmlns:a="http://schemas.openxmlformats.org/drawingml/2006/main" xmlns:r="http://schemas.openxmlformats.org/officeDocument/2006/relationships" xmlns:p="http://schemas.openxmlformats.org/presentationml/2006/main">
+  <p:cSld>
+    <p:spTree>
+      <p:nvGrpSpPr>
+        <p:cNvPr id="1" name=""/>
+        <p:cNvGrpSpPr/>
+        <p:nvPr/>
+      </p:nvGrpSpPr>
+      <p:grpSpPr>
+        <a:xfrm>
+          <a:off x="0" y="0"/>
+          <a:ext cx="0" cy="0"/>
+          <a:chOff x="0" y="0"/>
+          <a:chExt cx="0" cy="0"/>
+        </a:xfrm>
+      </p:grpSpPr>
+      <p:sp>
+        <p:nvSpPr>
+          <p:cNvPr id="3" name="Content Placeholder 2"/>
+          <p:cNvSpPr>
+            <a:spLocks noGrp="1"/>
+          </p:cNvSpPr>
+          <p:nvPr>
+            <p:ph idx="1"/>
+          </p:nvPr>
+        </p:nvSpPr>
+        <p:spPr/>
+        <p:txBody>
+          <a:bodyPr>
+            <a:noAutofit/>
+          </a:bodyPr>
+          <a:lstStyle/>
+          <a:p>
+            <a:r>
+              <a:rPr lang="en-US" sz="2800" dirty="0" smtClean="0"/>
+              <a:t>Currently a library and sample servlet</a:t>
+            </a:r>
+          </a:p>
+          <a:p>
+            <a:r>
+              <a:rPr lang="en-US" sz="2800" dirty="0" smtClean="0"/>
+              <a:t>APIs + factory pattern</a:t>
+            </a:r>
+          </a:p>
+          <a:p>
+            <a:r>
+              <a:rPr lang="en-US" sz="2800" dirty="0" smtClean="0"/>
+              <a:t>Depends on PHP </a:t>
+            </a:r>
+            <a:r>
+              <a:rPr lang="en-US" sz="2800" dirty="0" err="1" smtClean="0"/>
+              <a:t>Tsugi</a:t>
+            </a:r>
+            <a:endParaRPr lang="en-US" sz="2800" dirty="0" smtClean="0"/>
+          </a:p>
+          <a:p>
+            <a:pPr lvl="1"/>
+            <a:r>
+              <a:rPr lang="en-US" dirty="0" smtClean="0"/>
+              <a:t>Database table management</a:t>
+            </a:r>
+          </a:p>
+          <a:p>
+            <a:pPr lvl="1"/>
+            <a:r>
+              <a:rPr lang="en-US" dirty="0" smtClean="0"/>
+              <a:t>Developer test harness</a:t>
+            </a:r>
+          </a:p>
+          <a:p>
+            <a:pPr lvl="1"/>
+            <a:r>
+              <a:rPr lang="en-US" dirty="0" smtClean="0"/>
+              <a:t>Shares core data tables with PHP </a:t>
+            </a:r>
+            <a:r>
+              <a:rPr lang="en-US" dirty="0" err="1" smtClean="0"/>
+              <a:t>Tsugi</a:t>
+            </a:r>
+            <a:endParaRPr lang="en-US" dirty="0" smtClean="0"/>
+          </a:p>
+          <a:p>
+            <a:r>
+              <a:rPr lang="en-US" dirty="0" smtClean="0"/>
+              <a:t>Shares </a:t>
+            </a:r>
+            <a:r>
+              <a:rPr lang="en-US" dirty="0" err="1" smtClean="0"/>
+              <a:t>tsugi</a:t>
+            </a:r>
+            <a:r>
+              <a:rPr lang="en-US" dirty="0" smtClean="0"/>
+              <a:t>-static</a:t>
+            </a:r>
+          </a:p>
+          <a:p>
+            <a:r>
+              <a:rPr lang="en-US" dirty="0" smtClean="0"/>
+              <a:t>Uses PHP Application Console</a:t>
+            </a:r>
+            <a:endParaRPr lang="en-US" dirty="0" smtClean="0"/>
+          </a:p>
+        </p:txBody>
+      </p:sp>
+      <p:sp>
+        <p:nvSpPr>
+          <p:cNvPr id="4" name="Title 3"/>
+          <p:cNvSpPr>
+            <a:spLocks noGrp="1"/>
+          </p:cNvSpPr>
+          <p:nvPr>
+            <p:ph type="title"/>
+          </p:nvPr>
+        </p:nvSpPr>
+        <p:spPr>
+          <a:xfrm>
+            <a:off x="457199" y="274638"/>
+            <a:ext cx="8490577" cy="1143000"/>
+          </a:xfrm>
+        </p:spPr>
+        <p:txBody>
+          <a:bodyPr/>
+          <a:lstStyle/>
+          <a:p>
+            <a:r>
+              <a:rPr lang="en-US" dirty="0" smtClean="0"/>
+              <a:t>Java </a:t>
+            </a:r>
+            <a:r>
+              <a:rPr lang="en-US" dirty="0" err="1" smtClean="0"/>
+              <a:t>Tsugi</a:t>
+            </a:r>
+            <a:endParaRPr lang="en-US" dirty="0"/>
+          </a:p>
+        </p:txBody>
+      </p:sp>
+    </p:spTree>
+    <p:extLst>
+      <p:ext uri="{BB962C8B-B14F-4D97-AF65-F5344CB8AC3E}">
+        <p14:creationId xmlns:p14="http://schemas.microsoft.com/office/powerpoint/2010/main" val="1085469985"/>
+      </p:ext>
+    </p:extLst>
+  </p:cSld>
+  <p:clrMapOvr>
+    <a:masterClrMapping/>
+  </p:clrMapOvr>
+  <p:timing>
+    <p:tnLst>
+      <p:par>
+        <p:cTn xmlns:p14="http://schemas.microsoft.com/office/powerpoint/2010/main" id="1" dur="indefinite" restart="never" nodeType="tmRoot"/>
+      </p:par>
+    </p:tnLst>
+  </p:timing>
+</p:sld>
+</file>
+
+<file path=ppt/slides/slide14.xml><?xml version="1.0" encoding="utf-8"?>
+<p:sld xmlns:a="http://schemas.openxmlformats.org/drawingml/2006/main" xmlns:r="http://schemas.openxmlformats.org/officeDocument/2006/relationships" xmlns:p="http://schemas.openxmlformats.org/presentationml/2006/main">
+  <p:cSld>
+    <p:spTree>
+      <p:nvGrpSpPr>
+        <p:cNvPr id="1" name=""/>
+        <p:cNvGrpSpPr/>
+        <p:nvPr/>
+      </p:nvGrpSpPr>
+      <p:grpSpPr>
+        <a:xfrm>
+          <a:off x="0" y="0"/>
+          <a:ext cx="0" cy="0"/>
+          <a:chOff x="0" y="0"/>
+          <a:chExt cx="0" cy="0"/>
+        </a:xfrm>
+      </p:grpSpPr>
+      <p:sp>
+        <p:nvSpPr>
+          <p:cNvPr id="2" name="Title 1"/>
+          <p:cNvSpPr>
+            <a:spLocks noGrp="1"/>
+          </p:cNvSpPr>
+          <p:nvPr>
+            <p:ph type="title"/>
+          </p:nvPr>
+        </p:nvSpPr>
+        <p:spPr/>
+        <p:txBody>
+          <a:bodyPr/>
+          <a:lstStyle/>
+          <a:p>
+            <a:r>
+              <a:rPr lang="en-US" dirty="0" err="1" smtClean="0"/>
+              <a:t>Tsugi</a:t>
+            </a:r>
+            <a:r>
+              <a:rPr lang="en-US" dirty="0" smtClean="0"/>
+              <a:t> Java</a:t>
+            </a:r>
+            <a:endParaRPr lang="en-US" dirty="0"/>
+          </a:p>
+        </p:txBody>
+      </p:sp>
+      <p:sp>
+        <p:nvSpPr>
+          <p:cNvPr id="3" name="Content Placeholder 2"/>
+          <p:cNvSpPr>
+            <a:spLocks noGrp="1"/>
+          </p:cNvSpPr>
+          <p:nvPr>
+            <p:ph idx="1"/>
+          </p:nvPr>
+        </p:nvSpPr>
+        <p:spPr/>
+        <p:txBody>
+          <a:bodyPr/>
+          <a:lstStyle/>
+          <a:p>
+            <a:r>
+              <a:rPr lang="en-US" dirty="0" smtClean="0"/>
+              <a:t>Low Level IMS API Code</a:t>
+            </a:r>
+          </a:p>
+          <a:p>
+            <a:pPr lvl="1"/>
+            <a:r>
+              <a:rPr lang="en-US" dirty="0"/>
+              <a:t>https://</a:t>
+            </a:r>
+            <a:r>
+              <a:rPr lang="en-US" dirty="0" err="1"/>
+              <a:t>github.com</a:t>
+            </a:r>
+            <a:r>
+              <a:rPr lang="en-US" dirty="0"/>
+              <a:t>/</a:t>
+            </a:r>
+            <a:r>
+              <a:rPr lang="en-US" dirty="0" err="1"/>
+              <a:t>sakaiproject</a:t>
+            </a:r>
+            <a:r>
+              <a:rPr lang="en-US" dirty="0"/>
+              <a:t>/</a:t>
+            </a:r>
+            <a:r>
+              <a:rPr lang="en-US" dirty="0" err="1"/>
+              <a:t>sakai</a:t>
+            </a:r>
+            <a:r>
+              <a:rPr lang="en-US" dirty="0"/>
+              <a:t>/tree/master/</a:t>
+            </a:r>
+            <a:r>
+              <a:rPr lang="en-US" dirty="0" err="1"/>
+              <a:t>basiclti</a:t>
+            </a:r>
+            <a:r>
+              <a:rPr lang="en-US" dirty="0"/>
+              <a:t>/</a:t>
+            </a:r>
+            <a:r>
+              <a:rPr lang="en-US" dirty="0" err="1"/>
+              <a:t>tsugi-</a:t>
+            </a:r>
+            <a:r>
+              <a:rPr lang="en-US" dirty="0" err="1" smtClean="0"/>
+              <a:t>util</a:t>
+            </a:r>
+            <a:endParaRPr lang="en-US" dirty="0" smtClean="0"/>
+          </a:p>
+          <a:p>
+            <a:pPr lvl="1"/>
+            <a:r>
+              <a:rPr lang="en-US" dirty="0" smtClean="0"/>
+              <a:t>Released in </a:t>
+            </a:r>
+            <a:r>
+              <a:rPr lang="en-US" dirty="0" err="1" smtClean="0"/>
+              <a:t>Sonatype</a:t>
+            </a:r>
+            <a:endParaRPr lang="en-US" dirty="0" smtClean="0"/>
+          </a:p>
+          <a:p>
+            <a:pPr marL="457200" lvl="1" indent="0">
+              <a:buNone/>
+            </a:pPr>
+            <a:r>
+              <a:rPr lang="en-US" sz="2000" dirty="0">
+                <a:solidFill>
+                  <a:srgbClr val="FFFFFF"/>
+                </a:solidFill>
+              </a:rPr>
+              <a:t> </a:t>
+            </a:r>
+            <a:r>
+              <a:rPr lang="en-US" sz="2000" dirty="0" smtClean="0">
+                <a:solidFill>
+                  <a:srgbClr val="FFFFFF"/>
+                </a:solidFill>
+              </a:rPr>
+              <a:t>      &lt;</a:t>
+            </a:r>
+            <a:r>
+              <a:rPr lang="en-US" sz="2000" dirty="0" err="1">
+                <a:solidFill>
+                  <a:srgbClr val="FFFFFF"/>
+                </a:solidFill>
+              </a:rPr>
+              <a:t>groupId</a:t>
+            </a:r>
+            <a:r>
+              <a:rPr lang="en-US" sz="2000" dirty="0">
+                <a:solidFill>
+                  <a:srgbClr val="FFFFFF"/>
+                </a:solidFill>
+              </a:rPr>
+              <a:t>&gt;</a:t>
+            </a:r>
+            <a:r>
+              <a:rPr lang="en-US" sz="2000" dirty="0" err="1">
+                <a:solidFill>
+                  <a:srgbClr val="FFFFFF"/>
+                </a:solidFill>
+              </a:rPr>
+              <a:t>org.tsugi</a:t>
+            </a:r>
+            <a:r>
+              <a:rPr lang="en-US" sz="2000" dirty="0">
+                <a:solidFill>
+                  <a:srgbClr val="FFFFFF"/>
+                </a:solidFill>
+              </a:rPr>
+              <a:t>&lt;/</a:t>
+            </a:r>
+            <a:r>
+              <a:rPr lang="en-US" sz="2000" dirty="0" err="1">
+                <a:solidFill>
+                  <a:srgbClr val="FFFFFF"/>
+                </a:solidFill>
+              </a:rPr>
+              <a:t>groupId</a:t>
+            </a:r>
+            <a:r>
+              <a:rPr lang="en-US" sz="2000" dirty="0">
+                <a:solidFill>
+                  <a:srgbClr val="FFFFFF"/>
+                </a:solidFill>
+              </a:rPr>
+              <a:t>&gt;</a:t>
+            </a:r>
+          </a:p>
+          <a:p>
+            <a:pPr marL="457200" lvl="1" indent="0">
+              <a:buNone/>
+            </a:pPr>
+            <a:r>
+              <a:rPr lang="en-US" sz="2000" dirty="0">
+                <a:solidFill>
+                  <a:srgbClr val="FFFFFF"/>
+                </a:solidFill>
+              </a:rPr>
+              <a:t>  </a:t>
+            </a:r>
+            <a:r>
+              <a:rPr lang="en-US" sz="2000" dirty="0" smtClean="0">
+                <a:solidFill>
+                  <a:srgbClr val="FFFFFF"/>
+                </a:solidFill>
+              </a:rPr>
+              <a:t>      &lt;</a:t>
+            </a:r>
+            <a:r>
+              <a:rPr lang="en-US" sz="2000" dirty="0" err="1">
+                <a:solidFill>
+                  <a:srgbClr val="FFFFFF"/>
+                </a:solidFill>
+              </a:rPr>
+              <a:t>artifactId</a:t>
+            </a:r>
+            <a:r>
+              <a:rPr lang="en-US" sz="2000" dirty="0">
+                <a:solidFill>
+                  <a:srgbClr val="FFFFFF"/>
+                </a:solidFill>
+              </a:rPr>
+              <a:t>&gt;</a:t>
+            </a:r>
+            <a:r>
+              <a:rPr lang="en-US" sz="2000" dirty="0" err="1">
+                <a:solidFill>
+                  <a:srgbClr val="FFFFFF"/>
+                </a:solidFill>
+              </a:rPr>
+              <a:t>tsugi-util</a:t>
+            </a:r>
+            <a:r>
+              <a:rPr lang="en-US" sz="2000" dirty="0">
+                <a:solidFill>
+                  <a:srgbClr val="FFFFFF"/>
+                </a:solidFill>
+              </a:rPr>
+              <a:t>&lt;/</a:t>
+            </a:r>
+            <a:r>
+              <a:rPr lang="en-US" sz="2000" dirty="0" err="1">
+                <a:solidFill>
+                  <a:srgbClr val="FFFFFF"/>
+                </a:solidFill>
+              </a:rPr>
+              <a:t>artifactId</a:t>
+            </a:r>
+            <a:r>
+              <a:rPr lang="en-US" sz="2000" dirty="0">
+                <a:solidFill>
+                  <a:srgbClr val="FFFFFF"/>
+                </a:solidFill>
+              </a:rPr>
+              <a:t>&gt;</a:t>
+            </a:r>
+          </a:p>
+          <a:p>
+            <a:r>
+              <a:rPr lang="en-US" dirty="0" smtClean="0"/>
+              <a:t>Java Library</a:t>
+            </a:r>
+          </a:p>
+          <a:p>
+            <a:pPr lvl="1"/>
+            <a:r>
+              <a:rPr lang="en-US" dirty="0"/>
+              <a:t>https://</a:t>
+            </a:r>
+            <a:r>
+              <a:rPr lang="en-US" dirty="0" err="1"/>
+              <a:t>github.com</a:t>
+            </a:r>
+            <a:r>
+              <a:rPr lang="en-US" dirty="0"/>
+              <a:t>/csev/</a:t>
+            </a:r>
+            <a:r>
+              <a:rPr lang="en-US" dirty="0" err="1"/>
+              <a:t>tsugi</a:t>
+            </a:r>
+            <a:r>
+              <a:rPr lang="en-US" dirty="0"/>
+              <a:t>-</a:t>
+            </a:r>
+            <a:r>
+              <a:rPr lang="en-US" dirty="0" smtClean="0"/>
+              <a:t>java</a:t>
+            </a:r>
+          </a:p>
+        </p:txBody>
+      </p:sp>
+    </p:spTree>
+    <p:extLst>
+      <p:ext uri="{BB962C8B-B14F-4D97-AF65-F5344CB8AC3E}">
+        <p14:creationId xmlns:p14="http://schemas.microsoft.com/office/powerpoint/2010/main" val="982879176"/>
+      </p:ext>
+    </p:extLst>
+  </p:cSld>
+  <p:clrMapOvr>
+    <a:masterClrMapping/>
+  </p:clrMapOvr>
+</p:sld>
+</file>
+
+<file path=ppt/slides/slide15.xml><?xml version="1.0" encoding="utf-8"?>
+<p:sld xmlns:a="http://schemas.openxmlformats.org/drawingml/2006/main" xmlns:r="http://schemas.openxmlformats.org/officeDocument/2006/relationships" xmlns:p="http://schemas.openxmlformats.org/presentationml/2006/main">
+  <p:cSld>
+    <p:spTree>
+      <p:nvGrpSpPr>
+        <p:cNvPr id="1" name=""/>
+        <p:cNvGrpSpPr/>
+        <p:nvPr/>
+      </p:nvGrpSpPr>
+      <p:grpSpPr>
+        <a:xfrm>
+          <a:off x="0" y="0"/>
+          <a:ext cx="0" cy="0"/>
+          <a:chOff x="0" y="0"/>
+          <a:chExt cx="0" cy="0"/>
+        </a:xfrm>
+      </p:grpSpPr>
+      <p:sp>
+        <p:nvSpPr>
+          <p:cNvPr id="2" name="Title 1"/>
+          <p:cNvSpPr>
+            <a:spLocks noGrp="1"/>
+          </p:cNvSpPr>
+          <p:nvPr>
+            <p:ph type="title"/>
+          </p:nvPr>
+        </p:nvSpPr>
+        <p:spPr/>
+        <p:txBody>
+          <a:bodyPr/>
+          <a:lstStyle/>
+          <a:p>
+            <a:r>
+              <a:rPr lang="en-US" dirty="0" err="1" smtClean="0"/>
+              <a:t>Tsugi</a:t>
+            </a:r>
+            <a:r>
+              <a:rPr lang="en-US" dirty="0" smtClean="0"/>
+              <a:t> Java</a:t>
+            </a:r>
+            <a:endParaRPr lang="en-US" dirty="0"/>
+          </a:p>
+        </p:txBody>
+      </p:sp>
+      <p:sp>
+        <p:nvSpPr>
+          <p:cNvPr id="3" name="Content Placeholder 2"/>
+          <p:cNvSpPr>
+            <a:spLocks noGrp="1"/>
+          </p:cNvSpPr>
+          <p:nvPr>
+            <p:ph idx="1"/>
+          </p:nvPr>
+        </p:nvSpPr>
+        <p:spPr/>
+        <p:txBody>
+          <a:bodyPr/>
+          <a:lstStyle/>
+          <a:p>
+            <a:r>
+              <a:rPr lang="en-US" dirty="0" smtClean="0"/>
+              <a:t>API Documentation</a:t>
+            </a:r>
+          </a:p>
+          <a:p>
+            <a:pPr lvl="1"/>
+            <a:r>
+              <a:rPr lang="en-US" dirty="0"/>
+              <a:t>http://</a:t>
+            </a:r>
+            <a:r>
+              <a:rPr lang="en-US" dirty="0" err="1"/>
+              <a:t>csev.github.io</a:t>
+            </a:r>
+            <a:r>
+              <a:rPr lang="en-US" dirty="0"/>
+              <a:t>/</a:t>
+            </a:r>
+            <a:r>
+              <a:rPr lang="en-US" dirty="0" err="1"/>
+              <a:t>tsugi</a:t>
+            </a:r>
+            <a:r>
+              <a:rPr lang="en-US" dirty="0"/>
+              <a:t>-java/</a:t>
+            </a:r>
+            <a:r>
+              <a:rPr lang="en-US" dirty="0" err="1"/>
+              <a:t>apidocs</a:t>
+            </a:r>
+            <a:r>
+              <a:rPr lang="en-US" dirty="0" smtClean="0"/>
+              <a:t>/</a:t>
+            </a:r>
+          </a:p>
+          <a:p>
+            <a:r>
+              <a:rPr lang="en-US" dirty="0" smtClean="0"/>
+              <a:t>Sample </a:t>
+            </a:r>
+            <a:r>
+              <a:rPr lang="en-US" dirty="0" err="1" smtClean="0"/>
+              <a:t>TsugiServlet</a:t>
+            </a:r>
+            <a:r>
+              <a:rPr lang="en-US" dirty="0" smtClean="0"/>
+              <a:t> / Maven / JDBC</a:t>
+            </a:r>
+          </a:p>
+          <a:p>
+            <a:pPr lvl="1"/>
+            <a:r>
+              <a:rPr lang="en-US" dirty="0"/>
+              <a:t>https://</a:t>
+            </a:r>
+            <a:r>
+              <a:rPr lang="en-US" dirty="0" err="1"/>
+              <a:t>github.com</a:t>
+            </a:r>
+            <a:r>
+              <a:rPr lang="en-US" dirty="0"/>
+              <a:t>/csev/</a:t>
+            </a:r>
+            <a:r>
+              <a:rPr lang="en-US" dirty="0" err="1"/>
+              <a:t>tsugi</a:t>
+            </a:r>
+            <a:r>
+              <a:rPr lang="en-US" dirty="0"/>
+              <a:t>-java-</a:t>
+            </a:r>
+            <a:r>
+              <a:rPr lang="en-US" dirty="0" smtClean="0"/>
+              <a:t>servlet</a:t>
+            </a:r>
+          </a:p>
+          <a:p>
+            <a:r>
+              <a:rPr lang="en-US" dirty="0" smtClean="0"/>
+              <a:t>Simple Sample Servlet / Maven / JDB</a:t>
+            </a:r>
+          </a:p>
+          <a:p>
+            <a:pPr lvl="1"/>
+            <a:r>
+              <a:rPr lang="en-US" dirty="0"/>
+              <a:t>https://</a:t>
+            </a:r>
+            <a:r>
+              <a:rPr lang="en-US" dirty="0" err="1"/>
+              <a:t>github.com</a:t>
+            </a:r>
+            <a:r>
+              <a:rPr lang="en-US" dirty="0"/>
+              <a:t>/csev/maven-jetty-</a:t>
+            </a:r>
+            <a:r>
+              <a:rPr lang="en-US" dirty="0" err="1"/>
+              <a:t>jdbc</a:t>
+            </a:r>
+            <a:r>
+              <a:rPr lang="en-US" dirty="0"/>
+              <a:t>-servlet</a:t>
+            </a:r>
+            <a:endParaRPr lang="en-US" dirty="0" smtClean="0"/>
+          </a:p>
+        </p:txBody>
+      </p:sp>
+    </p:spTree>
+    <p:extLst>
+      <p:ext uri="{BB962C8B-B14F-4D97-AF65-F5344CB8AC3E}">
+        <p14:creationId xmlns:p14="http://schemas.microsoft.com/office/powerpoint/2010/main" val="3746303356"/>
+      </p:ext>
+    </p:extLst>
+  </p:cSld>
+  <p:clrMapOvr>
+    <a:masterClrMapping/>
+  </p:clrMapOvr>
+</p:sld>
+</file>
+
+<file path=ppt/slides/slide16.xml><?xml version="1.0" encoding="utf-8"?>
+<p:sld xmlns:a="http://schemas.openxmlformats.org/drawingml/2006/main" xmlns:r="http://schemas.openxmlformats.org/officeDocument/2006/relationships" xmlns:p="http://schemas.openxmlformats.org/presentationml/2006/main">
+  <p:cSld>
+    <p:spTree>
+      <p:nvGrpSpPr>
+        <p:cNvPr id="1" name=""/>
+        <p:cNvGrpSpPr/>
+        <p:nvPr/>
+      </p:nvGrpSpPr>
+      <p:grpSpPr>
+        <a:xfrm>
+          <a:off x="0" y="0"/>
+          <a:ext cx="0" cy="0"/>
+          <a:chOff x="0" y="0"/>
+          <a:chExt cx="0" cy="0"/>
+        </a:xfrm>
+      </p:grpSpPr>
+      <p:sp>
+        <p:nvSpPr>
           <p:cNvPr id="3" name="Content Placeholder 2"/>
           <p:cNvSpPr>
             <a:spLocks noGrp="1"/>
@@ -4402,11 +5648,7 @@
           <a:p>
             <a:r>
               <a:rPr lang="en-US" sz="2800" dirty="0" smtClean="0"/>
-              <a:t>Still </a:t>
-            </a:r>
-            <a:r>
-              <a:rPr lang="en-US" sz="2800" dirty="0" smtClean="0"/>
-              <a:t>emergent</a:t>
+              <a:t>Depends on the </a:t>
             </a:r>
             <a:endParaRPr lang="en-US" sz="2800" dirty="0" smtClean="0"/>
           </a:p>
@@ -4414,8 +5656,35 @@
             <a:pPr lvl="1"/>
             <a:r>
               <a:rPr lang="en-US" dirty="0" smtClean="0"/>
-              <a:t>Handles LTI Launches</a:t>
-            </a:r>
+              <a:t>Handles LTI </a:t>
+            </a:r>
+            <a:r>
+              <a:rPr lang="en-US" dirty="0" smtClean="0"/>
+              <a:t>Launches</a:t>
+            </a:r>
+          </a:p>
+          <a:p>
+            <a:pPr lvl="1"/>
+            <a:r>
+              <a:rPr lang="en-US" dirty="0" smtClean="0"/>
+              <a:t>Connects to the </a:t>
+            </a:r>
+            <a:r>
+              <a:rPr lang="en-US" dirty="0" err="1" smtClean="0"/>
+              <a:t>Tsugi</a:t>
+            </a:r>
+            <a:r>
+              <a:rPr lang="en-US" dirty="0" smtClean="0"/>
+              <a:t> database</a:t>
+            </a:r>
+          </a:p>
+          <a:p>
+            <a:pPr lvl="1"/>
+            <a:r>
+              <a:rPr lang="en-US" dirty="0" smtClean="0"/>
+              <a:t>Uses PHP Console</a:t>
+            </a:r>
+            <a:endParaRPr lang="en-US" dirty="0" smtClean="0"/>
           </a:p>
           <a:p>
             <a:r>
@@ -4432,7 +5701,7 @@
             </a:r>
             <a:r>
               <a:rPr lang="en-US" dirty="0" smtClean="0"/>
-              <a:t>June 2016</a:t>
+              <a:t>Summer 2016</a:t>
             </a:r>
             <a:endParaRPr lang="en-US" dirty="0" smtClean="0"/>
           </a:p>
@@ -4451,7 +5720,7 @@
         <p:spPr>
           <a:xfrm>
             <a:off x="457200" y="274638"/>
-            <a:ext cx="4058356" cy="1143000"/>
+            <a:ext cx="8229600" cy="1143000"/>
           </a:xfrm>
         </p:spPr>
         <p:txBody>
@@ -4467,85 +5736,6 @@
               <a:t>Tsugi</a:t>
             </a:r>
             <a:endParaRPr lang="en-US" dirty="0"/>
-          </a:p>
-        </p:txBody>
-      </p:sp>
-      <p:sp>
-        <p:nvSpPr>
-          <p:cNvPr id="2" name="Rectangle 1"/>
-          <p:cNvSpPr/>
-          <p:nvPr/>
-        </p:nvSpPr>
-        <p:spPr>
-          <a:xfrm>
-            <a:off x="1481668" y="3819056"/>
-            <a:ext cx="5670994" cy="830997"/>
-          </a:xfrm>
-          <a:prstGeom prst="rect">
-            <a:avLst/>
-          </a:prstGeom>
-        </p:spPr>
-        <p:txBody>
-          <a:bodyPr wrap="none">
-            <a:spAutoFit/>
-          </a:bodyPr>
-          <a:lstStyle/>
-          <a:p>
-            <a:r>
-              <a:rPr lang="en-US" sz="2400" dirty="0" smtClean="0"/>
-              <a:t>https</a:t>
-            </a:r>
-            <a:r>
-              <a:rPr lang="en-US" sz="2400" dirty="0"/>
-              <a:t>://</a:t>
-            </a:r>
-            <a:r>
-              <a:rPr lang="en-US" sz="2400" dirty="0" err="1"/>
-              <a:t>github.com</a:t>
-            </a:r>
-            <a:r>
-              <a:rPr lang="en-US" sz="2400" dirty="0"/>
-              <a:t>/csev/</a:t>
-            </a:r>
-            <a:r>
-              <a:rPr lang="en-US" sz="2400" dirty="0" err="1"/>
-              <a:t>tsugi</a:t>
-            </a:r>
-            <a:r>
-              <a:rPr lang="en-US" sz="2400" dirty="0"/>
-              <a:t>-</a:t>
-            </a:r>
-            <a:r>
-              <a:rPr lang="en-US" sz="2400" dirty="0" smtClean="0"/>
-              <a:t>node-sample</a:t>
-            </a:r>
-          </a:p>
-          <a:p>
-            <a:r>
-              <a:rPr lang="en-US" sz="2400" dirty="0"/>
-              <a:t>https://</a:t>
-            </a:r>
-            <a:r>
-              <a:rPr lang="en-US" sz="2400" dirty="0" err="1"/>
-              <a:t>github.com</a:t>
-            </a:r>
-            <a:r>
-              <a:rPr lang="en-US" sz="2400" dirty="0"/>
-              <a:t>/csev/</a:t>
-            </a:r>
-            <a:r>
-              <a:rPr lang="en-US" sz="2400" dirty="0" err="1"/>
-              <a:t>tsugi</a:t>
-            </a:r>
-            <a:r>
-              <a:rPr lang="en-US" sz="2400" dirty="0"/>
-              <a:t>-</a:t>
-            </a:r>
-            <a:r>
-              <a:rPr lang="en-US" sz="2400" dirty="0" smtClean="0"/>
-              <a:t>node</a:t>
-            </a:r>
-            <a:endParaRPr lang="en-US" sz="2400" dirty="0"/>
           </a:p>
         </p:txBody>
       </p:sp>
@@ -4569,7 +5759,907 @@
 </p:sld>
 </file>
 
+<file path=ppt/slides/slide17.xml><?xml version="1.0" encoding="utf-8"?>
+<p:sld xmlns:a="http://schemas.openxmlformats.org/drawingml/2006/main" xmlns:r="http://schemas.openxmlformats.org/officeDocument/2006/relationships" xmlns:p="http://schemas.openxmlformats.org/presentationml/2006/main">
+  <p:cSld>
+    <p:spTree>
+      <p:nvGrpSpPr>
+        <p:cNvPr id="1" name=""/>
+        <p:cNvGrpSpPr/>
+        <p:nvPr/>
+      </p:nvGrpSpPr>
+      <p:grpSpPr>
+        <a:xfrm>
+          <a:off x="0" y="0"/>
+          <a:ext cx="0" cy="0"/>
+          <a:chOff x="0" y="0"/>
+          <a:chExt cx="0" cy="0"/>
+        </a:xfrm>
+      </p:grpSpPr>
+      <p:sp>
+        <p:nvSpPr>
+          <p:cNvPr id="3" name="Content Placeholder 2"/>
+          <p:cNvSpPr>
+            <a:spLocks noGrp="1"/>
+          </p:cNvSpPr>
+          <p:nvPr>
+            <p:ph idx="1"/>
+          </p:nvPr>
+        </p:nvSpPr>
+        <p:spPr>
+          <a:xfrm>
+            <a:off x="457200" y="1600200"/>
+            <a:ext cx="8229600" cy="4506898"/>
+          </a:xfrm>
+        </p:spPr>
+        <p:txBody>
+          <a:bodyPr>
+            <a:noAutofit/>
+          </a:bodyPr>
+          <a:lstStyle/>
+          <a:p>
+            <a:r>
+              <a:rPr lang="en-US" sz="2800" dirty="0" smtClean="0"/>
+              <a:t>Node Library Code</a:t>
+            </a:r>
+            <a:endParaRPr lang="en-US" sz="2800" dirty="0" smtClean="0"/>
+          </a:p>
+          <a:p>
+            <a:pPr lvl="1"/>
+            <a:r>
+              <a:rPr lang="en-US" dirty="0"/>
+              <a:t>https://</a:t>
+            </a:r>
+            <a:r>
+              <a:rPr lang="en-US" dirty="0" err="1"/>
+              <a:t>github.com</a:t>
+            </a:r>
+            <a:r>
+              <a:rPr lang="en-US" dirty="0"/>
+              <a:t>/csev/</a:t>
+            </a:r>
+            <a:r>
+              <a:rPr lang="en-US" dirty="0" err="1"/>
+              <a:t>tsugi</a:t>
+            </a:r>
+            <a:r>
+              <a:rPr lang="en-US" dirty="0"/>
+              <a:t>-</a:t>
+            </a:r>
+            <a:r>
+              <a:rPr lang="en-US" dirty="0" smtClean="0"/>
+              <a:t>node</a:t>
+            </a:r>
+          </a:p>
+          <a:p>
+            <a:pPr lvl="1"/>
+            <a:r>
+              <a:rPr lang="en-US" dirty="0"/>
+              <a:t>http://do1.dr-chuck.com/</a:t>
+            </a:r>
+            <a:r>
+              <a:rPr lang="en-US" dirty="0" err="1"/>
+              <a:t>tsugi</a:t>
+            </a:r>
+            <a:r>
+              <a:rPr lang="en-US" dirty="0"/>
+              <a:t>-node/</a:t>
+            </a:r>
+            <a:r>
+              <a:rPr lang="en-US" dirty="0" err="1"/>
+              <a:t>esdoc</a:t>
+            </a:r>
+            <a:r>
+              <a:rPr lang="en-US" dirty="0"/>
+              <a:t>/</a:t>
+            </a:r>
+          </a:p>
+          <a:p>
+            <a:r>
+              <a:rPr lang="en-US" dirty="0" smtClean="0"/>
+              <a:t>Node Sample Application</a:t>
+            </a:r>
+          </a:p>
+          <a:p>
+            <a:pPr lvl="1"/>
+            <a:r>
+              <a:rPr lang="en-US" dirty="0"/>
+              <a:t>https://</a:t>
+            </a:r>
+            <a:r>
+              <a:rPr lang="en-US" dirty="0" err="1"/>
+              <a:t>github.com</a:t>
+            </a:r>
+            <a:r>
+              <a:rPr lang="en-US" dirty="0"/>
+              <a:t>/csev/</a:t>
+            </a:r>
+            <a:r>
+              <a:rPr lang="en-US" dirty="0" err="1"/>
+              <a:t>tsugi</a:t>
+            </a:r>
+            <a:r>
+              <a:rPr lang="en-US" dirty="0"/>
+              <a:t>-node-</a:t>
+            </a:r>
+            <a:r>
+              <a:rPr lang="en-US" dirty="0" smtClean="0"/>
+              <a:t>sample</a:t>
+            </a:r>
+          </a:p>
+          <a:p>
+            <a:pPr lvl="1"/>
+            <a:endParaRPr lang="en-US" dirty="0"/>
+          </a:p>
+          <a:p>
+            <a:r>
+              <a:rPr lang="en-US" dirty="0" smtClean="0"/>
+              <a:t>Very emergent...</a:t>
+            </a:r>
+            <a:endParaRPr lang="en-US" dirty="0" smtClean="0"/>
+          </a:p>
+        </p:txBody>
+      </p:sp>
+      <p:sp>
+        <p:nvSpPr>
+          <p:cNvPr id="4" name="Title 3"/>
+          <p:cNvSpPr>
+            <a:spLocks noGrp="1"/>
+          </p:cNvSpPr>
+          <p:nvPr>
+            <p:ph type="title"/>
+          </p:nvPr>
+        </p:nvSpPr>
+        <p:spPr>
+          <a:xfrm>
+            <a:off x="457200" y="274638"/>
+            <a:ext cx="8229600" cy="1143000"/>
+          </a:xfrm>
+        </p:spPr>
+        <p:txBody>
+          <a:bodyPr/>
+          <a:lstStyle/>
+          <a:p>
+            <a:r>
+              <a:rPr lang="en-US" dirty="0" smtClean="0"/>
+              <a:t>Node </a:t>
+            </a:r>
+            <a:r>
+              <a:rPr lang="en-US" dirty="0" err="1" smtClean="0"/>
+              <a:t>Tsugi</a:t>
+            </a:r>
+            <a:endParaRPr lang="en-US" dirty="0"/>
+          </a:p>
+        </p:txBody>
+      </p:sp>
+    </p:spTree>
+    <p:extLst>
+      <p:ext uri="{BB962C8B-B14F-4D97-AF65-F5344CB8AC3E}">
+        <p14:creationId xmlns:p14="http://schemas.microsoft.com/office/powerpoint/2010/main" val="3185203973"/>
+      </p:ext>
+    </p:extLst>
+  </p:cSld>
+  <p:clrMapOvr>
+    <a:masterClrMapping/>
+  </p:clrMapOvr>
+  <p:timing>
+    <p:tnLst>
+      <p:par>
+        <p:cTn xmlns:p14="http://schemas.microsoft.com/office/powerpoint/2010/main" id="1" dur="indefinite" restart="never" nodeType="tmRoot"/>
+      </p:par>
+    </p:tnLst>
+  </p:timing>
+</p:sld>
+</file>
+
+<file path=ppt/slides/slide18.xml><?xml version="1.0" encoding="utf-8"?>
+<p:sld xmlns:a="http://schemas.openxmlformats.org/drawingml/2006/main" xmlns:r="http://schemas.openxmlformats.org/officeDocument/2006/relationships" xmlns:p="http://schemas.openxmlformats.org/presentationml/2006/main">
+  <p:cSld>
+    <p:spTree>
+      <p:nvGrpSpPr>
+        <p:cNvPr id="1" name=""/>
+        <p:cNvGrpSpPr/>
+        <p:nvPr/>
+      </p:nvGrpSpPr>
+      <p:grpSpPr>
+        <a:xfrm>
+          <a:off x="0" y="0"/>
+          <a:ext cx="0" cy="0"/>
+          <a:chOff x="0" y="0"/>
+          <a:chExt cx="0" cy="0"/>
+        </a:xfrm>
+      </p:grpSpPr>
+      <p:sp>
+        <p:nvSpPr>
+          <p:cNvPr id="2" name="Title 1"/>
+          <p:cNvSpPr>
+            <a:spLocks noGrp="1"/>
+          </p:cNvSpPr>
+          <p:nvPr>
+            <p:ph type="title"/>
+          </p:nvPr>
+        </p:nvSpPr>
+        <p:spPr/>
+        <p:txBody>
+          <a:bodyPr/>
+          <a:lstStyle/>
+          <a:p>
+            <a:r>
+              <a:rPr lang="en-US" dirty="0" smtClean="0"/>
+              <a:t>Summary</a:t>
+            </a:r>
+            <a:endParaRPr lang="en-US" dirty="0"/>
+          </a:p>
+        </p:txBody>
+      </p:sp>
+      <p:sp>
+        <p:nvSpPr>
+          <p:cNvPr id="3" name="Content Placeholder 2"/>
+          <p:cNvSpPr>
+            <a:spLocks noGrp="1"/>
+          </p:cNvSpPr>
+          <p:nvPr>
+            <p:ph idx="1"/>
+          </p:nvPr>
+        </p:nvSpPr>
+        <p:spPr/>
+        <p:txBody>
+          <a:bodyPr/>
+          <a:lstStyle/>
+          <a:p>
+            <a:r>
+              <a:rPr lang="en-US" dirty="0" err="1" smtClean="0"/>
+              <a:t>Tsugi</a:t>
+            </a:r>
+            <a:r>
+              <a:rPr lang="en-US" dirty="0" smtClean="0"/>
+              <a:t> PHP is very well developed </a:t>
+            </a:r>
+            <a:endParaRPr lang="en-US" dirty="0"/>
+          </a:p>
+          <a:p>
+            <a:pPr lvl="1"/>
+            <a:r>
+              <a:rPr lang="en-US" dirty="0" smtClean="0"/>
+              <a:t>Production ready: LTI 1.1, </a:t>
+            </a:r>
+            <a:r>
+              <a:rPr lang="en-US" dirty="0" err="1" smtClean="0"/>
+              <a:t>ContentItem</a:t>
+            </a:r>
+            <a:endParaRPr lang="en-US" dirty="0" smtClean="0"/>
+          </a:p>
+          <a:p>
+            <a:pPr lvl="1"/>
+            <a:r>
+              <a:rPr lang="en-US" dirty="0" smtClean="0"/>
+              <a:t>Working: LTI 2.0, LTI 2.1, CASA</a:t>
+            </a:r>
+          </a:p>
+          <a:p>
+            <a:r>
+              <a:rPr lang="en-US" dirty="0" err="1" smtClean="0"/>
+              <a:t>Tsugi</a:t>
+            </a:r>
+            <a:r>
+              <a:rPr lang="en-US" dirty="0" smtClean="0"/>
+              <a:t> Java – Might be folded into Sakai</a:t>
+            </a:r>
+          </a:p>
+          <a:p>
+            <a:r>
+              <a:rPr lang="en-US" dirty="0" err="1" smtClean="0"/>
+              <a:t>Tsugi</a:t>
+            </a:r>
+            <a:r>
+              <a:rPr lang="en-US" dirty="0"/>
+              <a:t> </a:t>
+            </a:r>
+            <a:r>
+              <a:rPr lang="en-US" dirty="0" smtClean="0"/>
+              <a:t>Node</a:t>
+            </a:r>
+          </a:p>
+          <a:p>
+            <a:pPr lvl="1"/>
+            <a:r>
+              <a:rPr lang="en-US" dirty="0" smtClean="0"/>
+              <a:t>Expecting a summer 2016 release for standalone pattern</a:t>
+            </a:r>
+            <a:endParaRPr lang="en-US" dirty="0"/>
+          </a:p>
+        </p:txBody>
+      </p:sp>
+      <p:pic>
+        <p:nvPicPr>
+          <p:cNvPr id="4" name="Picture 3" descr="tsugi-logo.png"/>
+          <p:cNvPicPr>
+            <a:picLocks noChangeAspect="1"/>
+          </p:cNvPicPr>
+          <p:nvPr/>
+        </p:nvPicPr>
+        <p:blipFill>
+          <a:blip r:embed="rId2">
+            <a:extLst>
+              <a:ext uri="{28A0092B-C50C-407E-A947-70E740481C1C}">
+                <a14:useLocalDpi xmlns:a14="http://schemas.microsoft.com/office/drawing/2010/main" val="0"/>
+              </a:ext>
+            </a:extLst>
+          </a:blip>
+          <a:stretch>
+            <a:fillRect/>
+          </a:stretch>
+        </p:blipFill>
+        <p:spPr>
+          <a:xfrm>
+            <a:off x="5963412" y="5522072"/>
+            <a:ext cx="2837688" cy="841248"/>
+          </a:xfrm>
+          <a:prstGeom prst="rect">
+            <a:avLst/>
+          </a:prstGeom>
+          <a:solidFill>
+            <a:schemeClr val="tx1"/>
+          </a:solidFill>
+        </p:spPr>
+      </p:pic>
+    </p:spTree>
+    <p:extLst>
+      <p:ext uri="{BB962C8B-B14F-4D97-AF65-F5344CB8AC3E}">
+        <p14:creationId xmlns:p14="http://schemas.microsoft.com/office/powerpoint/2010/main" val="61474469"/>
+      </p:ext>
+    </p:extLst>
+  </p:cSld>
+  <p:clrMapOvr>
+    <a:masterClrMapping/>
+  </p:clrMapOvr>
+</p:sld>
+</file>
+
+<file path=ppt/slides/slide19.xml><?xml version="1.0" encoding="utf-8"?>
+<p:sld xmlns:a="http://schemas.openxmlformats.org/drawingml/2006/main" xmlns:r="http://schemas.openxmlformats.org/officeDocument/2006/relationships" xmlns:p="http://schemas.openxmlformats.org/presentationml/2006/main">
+  <p:cSld>
+    <p:spTree>
+      <p:nvGrpSpPr>
+        <p:cNvPr id="1" name=""/>
+        <p:cNvGrpSpPr/>
+        <p:nvPr/>
+      </p:nvGrpSpPr>
+      <p:grpSpPr>
+        <a:xfrm>
+          <a:off x="0" y="0"/>
+          <a:ext cx="0" cy="0"/>
+          <a:chOff x="0" y="0"/>
+          <a:chExt cx="0" cy="0"/>
+        </a:xfrm>
+      </p:grpSpPr>
+      <p:pic>
+        <p:nvPicPr>
+          <p:cNvPr id="4" name="Picture 3" descr="Untitled.png"/>
+          <p:cNvPicPr>
+            <a:picLocks noChangeAspect="1"/>
+          </p:cNvPicPr>
+          <p:nvPr/>
+        </p:nvPicPr>
+        <p:blipFill>
+          <a:blip r:embed="rId2">
+            <a:extLst>
+              <a:ext uri="{28A0092B-C50C-407E-A947-70E740481C1C}">
+                <a14:useLocalDpi xmlns:a14="http://schemas.microsoft.com/office/drawing/2010/main" val="0"/>
+              </a:ext>
+            </a:extLst>
+          </a:blip>
+          <a:stretch>
+            <a:fillRect/>
+          </a:stretch>
+        </p:blipFill>
+        <p:spPr>
+          <a:xfrm>
+            <a:off x="0" y="171227"/>
+            <a:ext cx="9144000" cy="6289760"/>
+          </a:xfrm>
+          <a:prstGeom prst="rect">
+            <a:avLst/>
+          </a:prstGeom>
+        </p:spPr>
+      </p:pic>
+    </p:spTree>
+    <p:extLst>
+      <p:ext uri="{BB962C8B-B14F-4D97-AF65-F5344CB8AC3E}">
+        <p14:creationId xmlns:p14="http://schemas.microsoft.com/office/powerpoint/2010/main" val="975153786"/>
+      </p:ext>
+    </p:extLst>
+  </p:cSld>
+  <p:clrMapOvr>
+    <a:masterClrMapping/>
+  </p:clrMapOvr>
+</p:sld>
+</file>
+
 <file path=ppt/slides/slide2.xml><?xml version="1.0" encoding="utf-8"?>
+<p:sld xmlns:a="http://schemas.openxmlformats.org/drawingml/2006/main" xmlns:r="http://schemas.openxmlformats.org/officeDocument/2006/relationships" xmlns:p="http://schemas.openxmlformats.org/presentationml/2006/main">
+  <p:cSld>
+    <p:spTree>
+      <p:nvGrpSpPr>
+        <p:cNvPr id="1" name=""/>
+        <p:cNvGrpSpPr/>
+        <p:nvPr/>
+      </p:nvGrpSpPr>
+      <p:grpSpPr>
+        <a:xfrm>
+          <a:off x="0" y="0"/>
+          <a:ext cx="0" cy="0"/>
+          <a:chOff x="0" y="0"/>
+          <a:chExt cx="0" cy="0"/>
+        </a:xfrm>
+      </p:grpSpPr>
+      <p:sp>
+        <p:nvSpPr>
+          <p:cNvPr id="2" name="Title 1"/>
+          <p:cNvSpPr>
+            <a:spLocks noGrp="1"/>
+          </p:cNvSpPr>
+          <p:nvPr>
+            <p:ph type="title"/>
+          </p:nvPr>
+        </p:nvSpPr>
+        <p:spPr/>
+        <p:txBody>
+          <a:bodyPr/>
+          <a:lstStyle/>
+          <a:p>
+            <a:r>
+              <a:rPr lang="en-US" dirty="0" smtClean="0"/>
+              <a:t>Standards are Getting Complex</a:t>
+            </a:r>
+            <a:endParaRPr lang="en-US" dirty="0"/>
+          </a:p>
+        </p:txBody>
+      </p:sp>
+      <p:sp>
+        <p:nvSpPr>
+          <p:cNvPr id="3" name="Content Placeholder 2"/>
+          <p:cNvSpPr>
+            <a:spLocks noGrp="1"/>
+          </p:cNvSpPr>
+          <p:nvPr>
+            <p:ph idx="1"/>
+          </p:nvPr>
+        </p:nvSpPr>
+        <p:spPr/>
+        <p:txBody>
+          <a:bodyPr/>
+          <a:lstStyle/>
+          <a:p>
+            <a:r>
+              <a:rPr lang="en-US" dirty="0" smtClean="0"/>
+              <a:t>LTI 1.x – Three pages of spec and some "hello world" code</a:t>
+            </a:r>
+            <a:endParaRPr lang="en-US" dirty="0"/>
+          </a:p>
+          <a:p>
+            <a:r>
+              <a:rPr lang="en-US" dirty="0" smtClean="0"/>
+              <a:t>LTI 2.x – Several specs – multiple interactions</a:t>
+            </a:r>
+          </a:p>
+          <a:p>
+            <a:pPr lvl="1"/>
+            <a:r>
+              <a:rPr lang="en-US" dirty="0" smtClean="0"/>
+              <a:t>We will need to share common implementations across instructions</a:t>
+            </a:r>
+            <a:endParaRPr lang="en-US" dirty="0"/>
+          </a:p>
+          <a:p>
+            <a:r>
+              <a:rPr lang="en-US" dirty="0" smtClean="0"/>
+              <a:t>And what about Caliper, Outcomes, </a:t>
+            </a:r>
+            <a:r>
+              <a:rPr lang="en-US" dirty="0" err="1" smtClean="0"/>
+              <a:t>OneRoster</a:t>
+            </a:r>
+            <a:r>
+              <a:rPr lang="en-US" dirty="0" smtClean="0"/>
+              <a:t>, Memberships, Casa, </a:t>
+            </a:r>
+            <a:r>
+              <a:rPr lang="en-US" dirty="0" err="1" smtClean="0"/>
+              <a:t>xAPI</a:t>
+            </a:r>
+            <a:r>
+              <a:rPr lang="en-US" dirty="0" smtClean="0"/>
+              <a:t>, etc. ??</a:t>
+            </a:r>
+          </a:p>
+          <a:p>
+            <a:pPr marL="0" indent="0">
+              <a:buNone/>
+            </a:pPr>
+            <a:endParaRPr lang="en-US" dirty="0"/>
+          </a:p>
+        </p:txBody>
+      </p:sp>
+    </p:spTree>
+    <p:extLst>
+      <p:ext uri="{BB962C8B-B14F-4D97-AF65-F5344CB8AC3E}">
+        <p14:creationId xmlns:p14="http://schemas.microsoft.com/office/powerpoint/2010/main" val="4267669500"/>
+      </p:ext>
+    </p:extLst>
+  </p:cSld>
+  <p:clrMapOvr>
+    <a:masterClrMapping/>
+  </p:clrMapOvr>
+  <p:timing>
+    <p:tnLst>
+      <p:par>
+        <p:cTn xmlns:p14="http://schemas.microsoft.com/office/powerpoint/2010/main" id="1" dur="indefinite" restart="never" nodeType="tmRoot"/>
+      </p:par>
+    </p:tnLst>
+  </p:timing>
+</p:sld>
+</file>
+
+<file path=ppt/slides/slide3.xml><?xml version="1.0" encoding="utf-8"?>
+<p:sld xmlns:a="http://schemas.openxmlformats.org/drawingml/2006/main" xmlns:r="http://schemas.openxmlformats.org/officeDocument/2006/relationships" xmlns:p="http://schemas.openxmlformats.org/presentationml/2006/main">
+  <p:cSld>
+    <p:spTree>
+      <p:nvGrpSpPr>
+        <p:cNvPr id="1" name=""/>
+        <p:cNvGrpSpPr/>
+        <p:nvPr/>
+      </p:nvGrpSpPr>
+      <p:grpSpPr>
+        <a:xfrm>
+          <a:off x="0" y="0"/>
+          <a:ext cx="0" cy="0"/>
+          <a:chOff x="0" y="0"/>
+          <a:chExt cx="0" cy="0"/>
+        </a:xfrm>
+      </p:grpSpPr>
+      <p:sp>
+        <p:nvSpPr>
+          <p:cNvPr id="4" name="TextBox 3"/>
+          <p:cNvSpPr txBox="1"/>
+          <p:nvPr/>
+        </p:nvSpPr>
+        <p:spPr>
+          <a:xfrm>
+            <a:off x="1073287" y="526452"/>
+            <a:ext cx="7092449" cy="5262979"/>
+          </a:xfrm>
+          <a:prstGeom prst="rect">
+            <a:avLst/>
+          </a:prstGeom>
+          <a:noFill/>
+        </p:spPr>
+        <p:txBody>
+          <a:bodyPr wrap="square" rtlCol="0">
+            <a:spAutoFit/>
+          </a:bodyPr>
+          <a:lstStyle/>
+          <a:p>
+            <a:r>
+              <a:rPr lang="en-US" sz="2400" dirty="0" smtClean="0"/>
+              <a:t>Sir </a:t>
+            </a:r>
+            <a:r>
+              <a:rPr lang="en-US" sz="2400" dirty="0"/>
+              <a:t>,</a:t>
+            </a:r>
+          </a:p>
+          <a:p>
+            <a:r>
+              <a:rPr lang="en-US" sz="2400" dirty="0"/>
+              <a:t>I am doing a project on Tool providers for LTI 1.1</a:t>
+            </a:r>
+          </a:p>
+          <a:p>
+            <a:r>
+              <a:rPr lang="en-US" sz="2400" dirty="0"/>
+              <a:t>We are developing tools that would be compatible with both LTI 1.1 and LTI 2.0</a:t>
+            </a:r>
+            <a:r>
+              <a:rPr lang="en-US" sz="2400" dirty="0" smtClean="0"/>
+              <a:t>.</a:t>
+            </a:r>
+          </a:p>
+          <a:p>
+            <a:endParaRPr lang="en-US" sz="2400" dirty="0"/>
+          </a:p>
+          <a:p>
+            <a:r>
+              <a:rPr lang="en-US" sz="2400" dirty="0"/>
+              <a:t>Can you help in developing a LTI 1.1 tool consumer and </a:t>
+            </a:r>
+            <a:r>
+              <a:rPr lang="en-US" sz="2400" dirty="0" smtClean="0"/>
+              <a:t>tool provider</a:t>
+            </a:r>
+            <a:r>
+              <a:rPr lang="en-US" sz="2400" dirty="0"/>
+              <a:t>. </a:t>
+            </a:r>
+            <a:endParaRPr lang="en-US" sz="2400" dirty="0" smtClean="0"/>
+          </a:p>
+          <a:p>
+            <a:endParaRPr lang="en-US" sz="2400" dirty="0"/>
+          </a:p>
+          <a:p>
+            <a:r>
+              <a:rPr lang="en-US" sz="2400" dirty="0"/>
+              <a:t>Please provide me with sample source codes </a:t>
+            </a:r>
+            <a:r>
+              <a:rPr lang="en-US" sz="2400" dirty="0" smtClean="0"/>
+              <a:t>and documentation </a:t>
+            </a:r>
+            <a:r>
+              <a:rPr lang="en-US" sz="2400" dirty="0"/>
+              <a:t>on how to use it for LTI 1.1.</a:t>
+            </a:r>
+          </a:p>
+          <a:p>
+            <a:r>
+              <a:rPr lang="en-US" sz="2400" dirty="0"/>
+              <a:t> </a:t>
+            </a:r>
+          </a:p>
+          <a:p>
+            <a:r>
+              <a:rPr lang="en-US" sz="2400" dirty="0" smtClean="0"/>
+              <a:t>S. C.</a:t>
+            </a:r>
+            <a:endParaRPr lang="en-US" sz="2400" dirty="0"/>
+          </a:p>
+          <a:p>
+            <a:r>
+              <a:rPr lang="en-US" sz="2400" dirty="0"/>
+              <a:t>Intern</a:t>
+            </a:r>
+          </a:p>
+          <a:p>
+            <a:r>
+              <a:rPr lang="en-US" sz="2400" dirty="0"/>
+              <a:t>IIT Bombay</a:t>
+            </a:r>
+          </a:p>
+        </p:txBody>
+      </p:sp>
+    </p:spTree>
+    <p:extLst>
+      <p:ext uri="{BB962C8B-B14F-4D97-AF65-F5344CB8AC3E}">
+        <p14:creationId xmlns:p14="http://schemas.microsoft.com/office/powerpoint/2010/main" val="918731842"/>
+      </p:ext>
+    </p:extLst>
+  </p:cSld>
+  <p:clrMapOvr>
+    <a:masterClrMapping/>
+  </p:clrMapOvr>
+</p:sld>
+</file>
+
+<file path=ppt/slides/slide4.xml><?xml version="1.0" encoding="utf-8"?>
+<p:sld xmlns:a="http://schemas.openxmlformats.org/drawingml/2006/main" xmlns:r="http://schemas.openxmlformats.org/officeDocument/2006/relationships" xmlns:p="http://schemas.openxmlformats.org/presentationml/2006/main">
+  <p:cSld>
+    <p:spTree>
+      <p:nvGrpSpPr>
+        <p:cNvPr id="1" name=""/>
+        <p:cNvGrpSpPr/>
+        <p:nvPr/>
+      </p:nvGrpSpPr>
+      <p:grpSpPr>
+        <a:xfrm>
+          <a:off x="0" y="0"/>
+          <a:ext cx="0" cy="0"/>
+          <a:chOff x="0" y="0"/>
+          <a:chExt cx="0" cy="0"/>
+        </a:xfrm>
+      </p:grpSpPr>
+      <p:sp>
+        <p:nvSpPr>
+          <p:cNvPr id="2" name="Title 1"/>
+          <p:cNvSpPr>
+            <a:spLocks noGrp="1"/>
+          </p:cNvSpPr>
+          <p:nvPr>
+            <p:ph type="title"/>
+          </p:nvPr>
+        </p:nvSpPr>
+        <p:spPr/>
+        <p:txBody>
+          <a:bodyPr/>
+          <a:lstStyle/>
+          <a:p>
+            <a:r>
+              <a:rPr lang="en-US" dirty="0" smtClean="0"/>
+              <a:t>Issues with Learning Tools</a:t>
+            </a:r>
+            <a:endParaRPr lang="en-US" dirty="0"/>
+          </a:p>
+        </p:txBody>
+      </p:sp>
+      <p:sp>
+        <p:nvSpPr>
+          <p:cNvPr id="3" name="Content Placeholder 2"/>
+          <p:cNvSpPr>
+            <a:spLocks noGrp="1"/>
+          </p:cNvSpPr>
+          <p:nvPr>
+            <p:ph idx="1"/>
+          </p:nvPr>
+        </p:nvSpPr>
+        <p:spPr/>
+        <p:txBody>
+          <a:bodyPr/>
+          <a:lstStyle/>
+          <a:p>
+            <a:r>
+              <a:rPr lang="en-US" dirty="0" smtClean="0"/>
+              <a:t>Cookies in </a:t>
+            </a:r>
+            <a:r>
+              <a:rPr lang="en-US" dirty="0" err="1" smtClean="0"/>
+              <a:t>iframes</a:t>
+            </a:r>
+            <a:r>
+              <a:rPr lang="en-US" dirty="0" smtClean="0"/>
+              <a:t> do not work well</a:t>
+            </a:r>
+          </a:p>
+          <a:p>
+            <a:r>
+              <a:rPr lang="en-US" dirty="0" smtClean="0"/>
+              <a:t>Session </a:t>
+            </a:r>
+            <a:r>
+              <a:rPr lang="en-US" dirty="0" err="1" smtClean="0"/>
+              <a:t>hikacking</a:t>
+            </a:r>
+            <a:endParaRPr lang="en-US" dirty="0" smtClean="0"/>
+          </a:p>
+          <a:p>
+            <a:r>
+              <a:rPr lang="en-US" dirty="0" smtClean="0"/>
+              <a:t>Session lifetime</a:t>
+            </a:r>
+          </a:p>
+          <a:p>
+            <a:r>
+              <a:rPr lang="en-US" dirty="0" smtClean="0"/>
+              <a:t>Aligning look and feel with LMS  UI</a:t>
+            </a:r>
+          </a:p>
+          <a:p>
+            <a:r>
+              <a:rPr lang="en-US" dirty="0" smtClean="0"/>
+              <a:t>Asynchronous grading (instructor/peer)</a:t>
+            </a:r>
+          </a:p>
+          <a:p>
+            <a:r>
+              <a:rPr lang="en-US" dirty="0" smtClean="0"/>
+              <a:t>Dealing with LMS outages</a:t>
+            </a:r>
+          </a:p>
+          <a:p>
+            <a:r>
+              <a:rPr lang="en-US" dirty="0" smtClean="0"/>
+              <a:t>Batch processing</a:t>
+            </a:r>
+          </a:p>
+          <a:p>
+            <a:r>
+              <a:rPr lang="en-US" dirty="0" smtClean="0"/>
+              <a:t>....</a:t>
+            </a:r>
+            <a:endParaRPr lang="en-US" dirty="0"/>
+          </a:p>
+        </p:txBody>
+      </p:sp>
+    </p:spTree>
+    <p:extLst>
+      <p:ext uri="{BB962C8B-B14F-4D97-AF65-F5344CB8AC3E}">
+        <p14:creationId xmlns:p14="http://schemas.microsoft.com/office/powerpoint/2010/main" val="3066209255"/>
+      </p:ext>
+    </p:extLst>
+  </p:cSld>
+  <p:clrMapOvr>
+    <a:masterClrMapping/>
+  </p:clrMapOvr>
+</p:sld>
+</file>
+
+<file path=ppt/slides/slide5.xml><?xml version="1.0" encoding="utf-8"?>
+<p:sld xmlns:a="http://schemas.openxmlformats.org/drawingml/2006/main" xmlns:r="http://schemas.openxmlformats.org/officeDocument/2006/relationships" xmlns:p="http://schemas.openxmlformats.org/presentationml/2006/main">
+  <p:cSld>
+    <p:spTree>
+      <p:nvGrpSpPr>
+        <p:cNvPr id="1" name=""/>
+        <p:cNvGrpSpPr/>
+        <p:nvPr/>
+      </p:nvGrpSpPr>
+      <p:grpSpPr>
+        <a:xfrm>
+          <a:off x="0" y="0"/>
+          <a:ext cx="0" cy="0"/>
+          <a:chOff x="0" y="0"/>
+          <a:chExt cx="0" cy="0"/>
+        </a:xfrm>
+      </p:grpSpPr>
+      <p:sp>
+        <p:nvSpPr>
+          <p:cNvPr id="2" name="Title 1"/>
+          <p:cNvSpPr>
+            <a:spLocks noGrp="1"/>
+          </p:cNvSpPr>
+          <p:nvPr>
+            <p:ph type="title"/>
+          </p:nvPr>
+        </p:nvSpPr>
+        <p:spPr/>
+        <p:txBody>
+          <a:bodyPr/>
+          <a:lstStyle/>
+          <a:p>
+            <a:r>
+              <a:rPr lang="en-US" dirty="0" smtClean="0"/>
+              <a:t>Can we make this easy?</a:t>
+            </a:r>
+            <a:endParaRPr lang="en-US" dirty="0"/>
+          </a:p>
+        </p:txBody>
+      </p:sp>
+      <p:sp>
+        <p:nvSpPr>
+          <p:cNvPr id="3" name="Content Placeholder 2"/>
+          <p:cNvSpPr>
+            <a:spLocks noGrp="1"/>
+          </p:cNvSpPr>
+          <p:nvPr>
+            <p:ph idx="1"/>
+          </p:nvPr>
+        </p:nvSpPr>
+        <p:spPr/>
+        <p:txBody>
+          <a:bodyPr/>
+          <a:lstStyle/>
+          <a:p>
+            <a:r>
+              <a:rPr lang="en-US" dirty="0" smtClean="0"/>
+              <a:t>Make building learning tools easy and fun</a:t>
+            </a:r>
+          </a:p>
+          <a:p>
+            <a:r>
+              <a:rPr lang="en-US" dirty="0" smtClean="0"/>
+              <a:t>Engage students in open source and educational technology</a:t>
+            </a:r>
+          </a:p>
+          <a:p>
+            <a:r>
+              <a:rPr lang="en-US" dirty="0" smtClean="0"/>
+              <a:t>Something that can be done in an undergraduate software development capstone</a:t>
+            </a:r>
+            <a:endParaRPr lang="en-US" dirty="0"/>
+          </a:p>
+        </p:txBody>
+      </p:sp>
+    </p:spTree>
+    <p:extLst>
+      <p:ext uri="{BB962C8B-B14F-4D97-AF65-F5344CB8AC3E}">
+        <p14:creationId xmlns:p14="http://schemas.microsoft.com/office/powerpoint/2010/main" val="296643514"/>
+      </p:ext>
+    </p:extLst>
+  </p:cSld>
+  <p:clrMapOvr>
+    <a:masterClrMapping/>
+  </p:clrMapOvr>
+</p:sld>
+</file>
+
+<file path=ppt/slides/slide6.xml><?xml version="1.0" encoding="utf-8"?>
 <p:sld xmlns:a="http://schemas.openxmlformats.org/drawingml/2006/main" xmlns:r="http://schemas.openxmlformats.org/officeDocument/2006/relationships" xmlns:p="http://schemas.openxmlformats.org/presentationml/2006/main">
   <p:cSld>
     <p:spTree>
@@ -4750,7 +6840,7 @@
 </p:sld>
 </file>
 
-<file path=ppt/slides/slide3.xml><?xml version="1.0" encoding="utf-8"?>
+<file path=ppt/slides/slide7.xml><?xml version="1.0" encoding="utf-8"?>
 <p:sld xmlns:a="http://schemas.openxmlformats.org/drawingml/2006/main" xmlns:r="http://schemas.openxmlformats.org/officeDocument/2006/relationships" xmlns:p="http://schemas.openxmlformats.org/presentationml/2006/main">
   <p:cSld>
     <p:spTree>
@@ -4769,29 +6859,6 @@
       </p:grpSpPr>
       <p:sp>
         <p:nvSpPr>
-          <p:cNvPr id="2" name="Title 1"/>
-          <p:cNvSpPr>
-            <a:spLocks noGrp="1"/>
-          </p:cNvSpPr>
-          <p:nvPr>
-            <p:ph type="title"/>
-          </p:nvPr>
-        </p:nvSpPr>
-        <p:spPr/>
-        <p:txBody>
-          <a:bodyPr/>
-          <a:lstStyle/>
-          <a:p>
-            <a:r>
-              <a:rPr lang="en-US" dirty="0" smtClean="0"/>
-              <a:t>Standards are Getting Complex</a:t>
-            </a:r>
-            <a:endParaRPr lang="en-US" dirty="0"/>
-          </a:p>
-        </p:txBody>
-      </p:sp>
-      <p:sp>
-        <p:nvSpPr>
           <p:cNvPr id="3" name="Content Placeholder 2"/>
           <p:cNvSpPr>
             <a:spLocks noGrp="1"/>
@@ -4807,125 +6874,25 @@
           <a:p>
             <a:r>
               <a:rPr lang="en-US" dirty="0" smtClean="0"/>
-              <a:t>LTI 1.x – Three pages of spec and some "hello world" code</a:t>
-            </a:r>
-            <a:endParaRPr lang="en-US" dirty="0"/>
-          </a:p>
-          <a:p>
-            <a:r>
-              <a:rPr lang="en-US" dirty="0" smtClean="0"/>
-              <a:t>LTI 2.x – Several specs – multiple interactions</a:t>
-            </a:r>
+              <a:t>Reduce the barriers to </a:t>
+            </a:r>
+            <a:r>
+              <a:rPr lang="en-US" dirty="0" smtClean="0"/>
+              <a:t>production</a:t>
+            </a:r>
+            <a:endParaRPr lang="en-US" dirty="0" smtClean="0"/>
           </a:p>
           <a:p>
             <a:pPr lvl="1"/>
             <a:r>
               <a:rPr lang="en-US" dirty="0" smtClean="0"/>
-              <a:t>We will need to share common implementations across instructions</a:t>
-            </a:r>
-            <a:endParaRPr lang="en-US" dirty="0"/>
-          </a:p>
-          <a:p>
-            <a:r>
-              <a:rPr lang="en-US" dirty="0" smtClean="0"/>
-              <a:t>And what about Caliper, </a:t>
-            </a:r>
-            <a:r>
-              <a:rPr lang="en-US" dirty="0" smtClean="0"/>
-              <a:t>Outcomes, </a:t>
-            </a:r>
-            <a:r>
-              <a:rPr lang="en-US" dirty="0" err="1" smtClean="0"/>
-              <a:t>OneRoster</a:t>
-            </a:r>
-            <a:r>
-              <a:rPr lang="en-US" dirty="0" smtClean="0"/>
-              <a:t>, Memberships, Casa</a:t>
-            </a:r>
-            <a:r>
-              <a:rPr lang="en-US" dirty="0" smtClean="0"/>
-              <a:t>, </a:t>
-            </a:r>
-            <a:r>
-              <a:rPr lang="en-US" dirty="0" err="1" smtClean="0"/>
-              <a:t>xAPI</a:t>
-            </a:r>
-            <a:r>
-              <a:rPr lang="en-US" dirty="0" smtClean="0"/>
-              <a:t>, etc. ??</a:t>
-            </a:r>
-          </a:p>
-          <a:p>
-            <a:pPr marL="0" indent="0">
-              <a:buNone/>
-            </a:pPr>
-            <a:endParaRPr lang="en-US" dirty="0"/>
-          </a:p>
-        </p:txBody>
-      </p:sp>
-    </p:spTree>
-    <p:extLst>
-      <p:ext uri="{BB962C8B-B14F-4D97-AF65-F5344CB8AC3E}">
-        <p14:creationId xmlns:p14="http://schemas.microsoft.com/office/powerpoint/2010/main" val="4267669500"/>
-      </p:ext>
-    </p:extLst>
-  </p:cSld>
-  <p:clrMapOvr>
-    <a:masterClrMapping/>
-  </p:clrMapOvr>
-  <p:timing>
-    <p:tnLst>
-      <p:par>
-        <p:cTn xmlns:p14="http://schemas.microsoft.com/office/powerpoint/2010/main" id="1" dur="indefinite" restart="never" nodeType="tmRoot"/>
-      </p:par>
-    </p:tnLst>
-  </p:timing>
-</p:sld>
-</file>
-
-<file path=ppt/slides/slide4.xml><?xml version="1.0" encoding="utf-8"?>
-<p:sld xmlns:a="http://schemas.openxmlformats.org/drawingml/2006/main" xmlns:r="http://schemas.openxmlformats.org/officeDocument/2006/relationships" xmlns:p="http://schemas.openxmlformats.org/presentationml/2006/main">
-  <p:cSld>
-    <p:spTree>
-      <p:nvGrpSpPr>
-        <p:cNvPr id="1" name=""/>
-        <p:cNvGrpSpPr/>
-        <p:nvPr/>
-      </p:nvGrpSpPr>
-      <p:grpSpPr>
-        <a:xfrm>
-          <a:off x="0" y="0"/>
-          <a:ext cx="0" cy="0"/>
-          <a:chOff x="0" y="0"/>
-          <a:chExt cx="0" cy="0"/>
-        </a:xfrm>
-      </p:grpSpPr>
-      <p:sp>
-        <p:nvSpPr>
-          <p:cNvPr id="3" name="Content Placeholder 2"/>
-          <p:cNvSpPr>
-            <a:spLocks noGrp="1"/>
-          </p:cNvSpPr>
-          <p:nvPr>
-            <p:ph idx="1"/>
-          </p:nvPr>
-        </p:nvSpPr>
-        <p:spPr/>
-        <p:txBody>
-          <a:bodyPr/>
-          <a:lstStyle/>
-          <a:p>
-            <a:r>
-              <a:rPr lang="en-US" dirty="0" smtClean="0"/>
-              <a:t>Reduce the barriers to tool development</a:t>
-            </a:r>
-          </a:p>
-          <a:p>
-            <a:pPr lvl="1"/>
-            <a:r>
-              <a:rPr lang="en-US" dirty="0" smtClean="0"/>
-              <a:t>Easy to learn, easy to deploy</a:t>
-            </a:r>
+              <a:t>Easy to learn, easy to </a:t>
+            </a:r>
+            <a:r>
+              <a:rPr lang="en-US" dirty="0" smtClean="0"/>
+              <a:t>deploy (self-service)</a:t>
+            </a:r>
+            <a:endParaRPr lang="en-US" dirty="0" smtClean="0"/>
           </a:p>
           <a:p>
             <a:pPr lvl="1"/>
@@ -4971,8 +6938,19 @@
             </a:r>
             <a:r>
               <a:rPr lang="en-US" dirty="0" smtClean="0"/>
-              <a:t> feature to upgrade schema</a:t>
-            </a:r>
+              <a:t> feature to upgrade </a:t>
+            </a:r>
+            <a:r>
+              <a:rPr lang="en-US" dirty="0" smtClean="0"/>
+              <a:t>schema</a:t>
+            </a:r>
+          </a:p>
+          <a:p>
+            <a:r>
+              <a:rPr lang="en-US" dirty="0" smtClean="0"/>
+              <a:t>Recorded lectures – Perhaps a MOOC?</a:t>
+            </a:r>
+            <a:endParaRPr lang="en-US" dirty="0" smtClean="0"/>
           </a:p>
         </p:txBody>
       </p:sp>
@@ -4998,6 +6976,36 @@
             <a:r>
               <a:rPr lang="en-US" dirty="0" err="1" smtClean="0"/>
               <a:t>Tsugi</a:t>
+            </a:r>
+            <a:endParaRPr lang="en-US" dirty="0"/>
+          </a:p>
+        </p:txBody>
+      </p:sp>
+      <p:sp>
+        <p:nvSpPr>
+          <p:cNvPr id="2" name="TextBox 1"/>
+          <p:cNvSpPr txBox="1"/>
+          <p:nvPr/>
+        </p:nvSpPr>
+        <p:spPr>
+          <a:xfrm>
+            <a:off x="6834009" y="6321962"/>
+            <a:ext cx="1852791" cy="369332"/>
+          </a:xfrm>
+          <a:prstGeom prst="rect">
+            <a:avLst/>
+          </a:prstGeom>
+          <a:noFill/>
+        </p:spPr>
+        <p:txBody>
+          <a:bodyPr wrap="none" rtlCol="0">
+            <a:spAutoFit/>
+          </a:bodyPr>
+          <a:lstStyle/>
+          <a:p>
+            <a:r>
+              <a:rPr lang="en-US" dirty="0" err="1" smtClean="0"/>
+              <a:t>youtube.tsugi.org</a:t>
             </a:r>
             <a:endParaRPr lang="en-US" dirty="0"/>
           </a:p>
@@ -5023,7 +7031,7 @@
 </p:sld>
 </file>
 
-<file path=ppt/slides/slide5.xml><?xml version="1.0" encoding="utf-8"?>
+<file path=ppt/slides/slide8.xml><?xml version="1.0" encoding="utf-8"?>
 <p:sld xmlns:a="http://schemas.openxmlformats.org/drawingml/2006/main" xmlns:r="http://schemas.openxmlformats.org/officeDocument/2006/relationships" xmlns:p="http://schemas.openxmlformats.org/presentationml/2006/main">
   <p:cSld>
     <p:spTree>
@@ -5184,7 +7192,7 @@
 </p:sld>
 </file>
 
-<file path=ppt/slides/slide6.xml><?xml version="1.0" encoding="utf-8"?>
+<file path=ppt/slides/slide9.xml><?xml version="1.0" encoding="utf-8"?>
 <p:sld xmlns:a="http://schemas.openxmlformats.org/drawingml/2006/main" xmlns:r="http://schemas.openxmlformats.org/officeDocument/2006/relationships" xmlns:p="http://schemas.openxmlformats.org/presentationml/2006/main">
   <p:cSld>
     <p:spTree>
@@ -5241,534 +7249,6 @@
   <p:clrMapOvr>
     <a:masterClrMapping/>
   </p:clrMapOvr>
-</p:sld>
-</file>
-
-<file path=ppt/slides/slide7.xml><?xml version="1.0" encoding="utf-8"?>
-<p:sld xmlns:a="http://schemas.openxmlformats.org/drawingml/2006/main" xmlns:r="http://schemas.openxmlformats.org/officeDocument/2006/relationships" xmlns:p="http://schemas.openxmlformats.org/presentationml/2006/main">
-  <p:cSld>
-    <p:spTree>
-      <p:nvGrpSpPr>
-        <p:cNvPr id="1" name=""/>
-        <p:cNvGrpSpPr/>
-        <p:nvPr/>
-      </p:nvGrpSpPr>
-      <p:grpSpPr>
-        <a:xfrm>
-          <a:off x="0" y="0"/>
-          <a:ext cx="0" cy="0"/>
-          <a:chOff x="0" y="0"/>
-          <a:chExt cx="0" cy="0"/>
-        </a:xfrm>
-      </p:grpSpPr>
-      <p:sp>
-        <p:nvSpPr>
-          <p:cNvPr id="2" name="Title 1"/>
-          <p:cNvSpPr>
-            <a:spLocks noGrp="1"/>
-          </p:cNvSpPr>
-          <p:nvPr>
-            <p:ph type="title"/>
-          </p:nvPr>
-        </p:nvSpPr>
-        <p:spPr/>
-        <p:txBody>
-          <a:bodyPr/>
-          <a:lstStyle/>
-          <a:p>
-            <a:r>
-              <a:rPr lang="en-US" dirty="0" smtClean="0"/>
-              <a:t>Online Demo PHP </a:t>
-            </a:r>
-            <a:r>
-              <a:rPr lang="en-US" dirty="0" err="1" smtClean="0"/>
-              <a:t>Tsugi</a:t>
-            </a:r>
-            <a:endParaRPr lang="en-US" dirty="0"/>
-          </a:p>
-        </p:txBody>
-      </p:sp>
-      <p:sp>
-        <p:nvSpPr>
-          <p:cNvPr id="3" name="Content Placeholder 2"/>
-          <p:cNvSpPr>
-            <a:spLocks noGrp="1"/>
-          </p:cNvSpPr>
-          <p:nvPr>
-            <p:ph idx="1"/>
-          </p:nvPr>
-        </p:nvSpPr>
-        <p:spPr>
-          <a:xfrm>
-            <a:off x="457200" y="2188615"/>
-            <a:ext cx="8229600" cy="2701995"/>
-          </a:xfrm>
-        </p:spPr>
-        <p:txBody>
-          <a:bodyPr/>
-          <a:lstStyle/>
-          <a:p>
-            <a:r>
-              <a:rPr lang="en-US" dirty="0" smtClean="0"/>
-              <a:t>https://</a:t>
-            </a:r>
-            <a:r>
-              <a:rPr lang="en-US" dirty="0" err="1" smtClean="0"/>
-              <a:t>lti-tools.dr-chuck.com</a:t>
-            </a:r>
-            <a:r>
-              <a:rPr lang="en-US" dirty="0" smtClean="0"/>
-              <a:t>/</a:t>
-            </a:r>
-            <a:r>
-              <a:rPr lang="en-US" dirty="0" err="1" smtClean="0"/>
-              <a:t>tsugi</a:t>
-            </a:r>
-            <a:r>
-              <a:rPr lang="en-US" dirty="0" smtClean="0"/>
-              <a:t>/</a:t>
-            </a:r>
-          </a:p>
-          <a:p>
-            <a:pPr lvl="1"/>
-            <a:r>
-              <a:rPr lang="en-US" dirty="0" smtClean="0"/>
-              <a:t>Developer mode (pw = secret)</a:t>
-            </a:r>
-          </a:p>
-          <a:p>
-            <a:pPr lvl="1"/>
-            <a:r>
-              <a:rPr lang="en-US" dirty="0" smtClean="0"/>
-              <a:t>Apply for keys</a:t>
-            </a:r>
-            <a:endParaRPr lang="en-US" dirty="0"/>
-          </a:p>
-          <a:p>
-            <a:pPr marL="0" indent="0">
-              <a:buNone/>
-            </a:pPr>
-            <a:endParaRPr lang="en-US" dirty="0"/>
-          </a:p>
-        </p:txBody>
-      </p:sp>
-    </p:spTree>
-    <p:extLst>
-      <p:ext uri="{BB962C8B-B14F-4D97-AF65-F5344CB8AC3E}">
-        <p14:creationId xmlns:p14="http://schemas.microsoft.com/office/powerpoint/2010/main" val="2811272218"/>
-      </p:ext>
-    </p:extLst>
-  </p:cSld>
-  <p:clrMapOvr>
-    <a:masterClrMapping/>
-  </p:clrMapOvr>
-  <p:timing>
-    <p:tnLst>
-      <p:par>
-        <p:cTn xmlns:p14="http://schemas.microsoft.com/office/powerpoint/2010/main" id="1" dur="indefinite" restart="never" nodeType="tmRoot"/>
-      </p:par>
-    </p:tnLst>
-  </p:timing>
-</p:sld>
-</file>
-
-<file path=ppt/slides/slide8.xml><?xml version="1.0" encoding="utf-8"?>
-<p:sld xmlns:a="http://schemas.openxmlformats.org/drawingml/2006/main" xmlns:r="http://schemas.openxmlformats.org/officeDocument/2006/relationships" xmlns:p="http://schemas.openxmlformats.org/presentationml/2006/main">
-  <p:cSld>
-    <p:spTree>
-      <p:nvGrpSpPr>
-        <p:cNvPr id="1" name=""/>
-        <p:cNvGrpSpPr/>
-        <p:nvPr/>
-      </p:nvGrpSpPr>
-      <p:grpSpPr>
-        <a:xfrm>
-          <a:off x="0" y="0"/>
-          <a:ext cx="0" cy="0"/>
-          <a:chOff x="0" y="0"/>
-          <a:chExt cx="0" cy="0"/>
-        </a:xfrm>
-      </p:grpSpPr>
-      <p:sp>
-        <p:nvSpPr>
-          <p:cNvPr id="3" name="Content Placeholder 2"/>
-          <p:cNvSpPr>
-            <a:spLocks noGrp="1"/>
-          </p:cNvSpPr>
-          <p:nvPr>
-            <p:ph idx="1"/>
-          </p:nvPr>
-        </p:nvSpPr>
-        <p:spPr/>
-        <p:txBody>
-          <a:bodyPr>
-            <a:noAutofit/>
-          </a:bodyPr>
-          <a:lstStyle/>
-          <a:p>
-            <a:r>
-              <a:rPr lang="en-US" sz="2800" dirty="0" smtClean="0"/>
-              <a:t>Currently just a library and sample servlet</a:t>
-            </a:r>
-          </a:p>
-          <a:p>
-            <a:r>
-              <a:rPr lang="en-US" sz="2800" dirty="0" smtClean="0"/>
-              <a:t>APIs + factory pattern</a:t>
-            </a:r>
-          </a:p>
-          <a:p>
-            <a:r>
-              <a:rPr lang="en-US" sz="2800" dirty="0" smtClean="0"/>
-              <a:t>Depends on PHP </a:t>
-            </a:r>
-            <a:r>
-              <a:rPr lang="en-US" sz="2800" dirty="0" err="1" smtClean="0"/>
-              <a:t>Tsugi</a:t>
-            </a:r>
-            <a:endParaRPr lang="en-US" sz="2800" dirty="0" smtClean="0"/>
-          </a:p>
-          <a:p>
-            <a:pPr lvl="1"/>
-            <a:r>
-              <a:rPr lang="en-US" dirty="0" smtClean="0"/>
-              <a:t>Database table management</a:t>
-            </a:r>
-          </a:p>
-          <a:p>
-            <a:pPr lvl="1"/>
-            <a:r>
-              <a:rPr lang="en-US" dirty="0" smtClean="0"/>
-              <a:t>Developer test harness</a:t>
-            </a:r>
-          </a:p>
-          <a:p>
-            <a:pPr lvl="1"/>
-            <a:r>
-              <a:rPr lang="en-US" dirty="0" smtClean="0"/>
-              <a:t>Shares core data tables with PHP </a:t>
-            </a:r>
-            <a:r>
-              <a:rPr lang="en-US" dirty="0" err="1" smtClean="0"/>
-              <a:t>Tsugi</a:t>
-            </a:r>
-            <a:endParaRPr lang="en-US" dirty="0" smtClean="0"/>
-          </a:p>
-          <a:p>
-            <a:r>
-              <a:rPr lang="en-US" sz="2800" dirty="0" smtClean="0"/>
-              <a:t>More to develop</a:t>
-            </a:r>
-          </a:p>
-          <a:p>
-            <a:pPr lvl="1"/>
-            <a:r>
-              <a:rPr lang="en-US" dirty="0" smtClean="0"/>
-              <a:t>Java database/key admin</a:t>
-            </a:r>
-          </a:p>
-          <a:p>
-            <a:pPr lvl="1"/>
-            <a:r>
-              <a:rPr lang="en-US" dirty="0" smtClean="0"/>
-              <a:t>Java developer console</a:t>
-            </a:r>
-          </a:p>
-        </p:txBody>
-      </p:sp>
-      <p:sp>
-        <p:nvSpPr>
-          <p:cNvPr id="4" name="Title 3"/>
-          <p:cNvSpPr>
-            <a:spLocks noGrp="1"/>
-          </p:cNvSpPr>
-          <p:nvPr>
-            <p:ph type="title"/>
-          </p:nvPr>
-        </p:nvSpPr>
-        <p:spPr>
-          <a:xfrm>
-            <a:off x="457200" y="274638"/>
-            <a:ext cx="4058356" cy="1143000"/>
-          </a:xfrm>
-        </p:spPr>
-        <p:txBody>
-          <a:bodyPr/>
-          <a:lstStyle/>
-          <a:p>
-            <a:r>
-              <a:rPr lang="en-US" dirty="0" smtClean="0"/>
-              <a:t>Java </a:t>
-            </a:r>
-            <a:r>
-              <a:rPr lang="en-US" dirty="0" err="1" smtClean="0"/>
-              <a:t>Tsugi</a:t>
-            </a:r>
-            <a:endParaRPr lang="en-US" dirty="0"/>
-          </a:p>
-        </p:txBody>
-      </p:sp>
-      <p:sp>
-        <p:nvSpPr>
-          <p:cNvPr id="2" name="Rectangle 1"/>
-          <p:cNvSpPr/>
-          <p:nvPr/>
-        </p:nvSpPr>
-        <p:spPr>
-          <a:xfrm>
-            <a:off x="4430890" y="637705"/>
-            <a:ext cx="4211409" cy="461665"/>
-          </a:xfrm>
-          <a:prstGeom prst="rect">
-            <a:avLst/>
-          </a:prstGeom>
-        </p:spPr>
-        <p:txBody>
-          <a:bodyPr wrap="none">
-            <a:spAutoFit/>
-          </a:bodyPr>
-          <a:lstStyle/>
-          <a:p>
-            <a:r>
-              <a:rPr lang="en-US" sz="2400" dirty="0"/>
-              <a:t>http://</a:t>
-            </a:r>
-            <a:r>
-              <a:rPr lang="en-US" sz="2400" dirty="0" err="1"/>
-              <a:t>csev.github.io</a:t>
-            </a:r>
-            <a:r>
-              <a:rPr lang="en-US" sz="2400" dirty="0"/>
-              <a:t>/</a:t>
-            </a:r>
-            <a:r>
-              <a:rPr lang="en-US" sz="2400" dirty="0" err="1"/>
-              <a:t>tsugi</a:t>
-            </a:r>
-            <a:r>
-              <a:rPr lang="en-US" sz="2400" dirty="0"/>
-              <a:t>-java/</a:t>
-            </a:r>
-          </a:p>
-        </p:txBody>
-      </p:sp>
-    </p:spTree>
-    <p:extLst>
-      <p:ext uri="{BB962C8B-B14F-4D97-AF65-F5344CB8AC3E}">
-        <p14:creationId xmlns:p14="http://schemas.microsoft.com/office/powerpoint/2010/main" val="533382725"/>
-      </p:ext>
-    </p:extLst>
-  </p:cSld>
-  <p:clrMapOvr>
-    <a:masterClrMapping/>
-  </p:clrMapOvr>
-  <p:timing>
-    <p:tnLst>
-      <p:par>
-        <p:cTn xmlns:p14="http://schemas.microsoft.com/office/powerpoint/2010/main" id="1" dur="indefinite" restart="never" nodeType="tmRoot"/>
-      </p:par>
-    </p:tnLst>
-  </p:timing>
-</p:sld>
-</file>
-
-<file path=ppt/slides/slide9.xml><?xml version="1.0" encoding="utf-8"?>
-<p:sld xmlns:a="http://schemas.openxmlformats.org/drawingml/2006/main" xmlns:r="http://schemas.openxmlformats.org/officeDocument/2006/relationships" xmlns:p="http://schemas.openxmlformats.org/presentationml/2006/main">
-  <p:cSld>
-    <p:spTree>
-      <p:nvGrpSpPr>
-        <p:cNvPr id="1" name=""/>
-        <p:cNvGrpSpPr/>
-        <p:nvPr/>
-      </p:nvGrpSpPr>
-      <p:grpSpPr>
-        <a:xfrm>
-          <a:off x="0" y="0"/>
-          <a:ext cx="0" cy="0"/>
-          <a:chOff x="0" y="0"/>
-          <a:chExt cx="0" cy="0"/>
-        </a:xfrm>
-      </p:grpSpPr>
-      <p:sp>
-        <p:nvSpPr>
-          <p:cNvPr id="3" name="Content Placeholder 2"/>
-          <p:cNvSpPr>
-            <a:spLocks noGrp="1"/>
-          </p:cNvSpPr>
-          <p:nvPr>
-            <p:ph idx="1"/>
-          </p:nvPr>
-        </p:nvSpPr>
-        <p:spPr/>
-        <p:txBody>
-          <a:bodyPr>
-            <a:noAutofit/>
-          </a:bodyPr>
-          <a:lstStyle/>
-          <a:p>
-            <a:r>
-              <a:rPr lang="en-US" sz="2800" dirty="0" smtClean="0"/>
-              <a:t>Currently a library and sample servlet</a:t>
-            </a:r>
-          </a:p>
-          <a:p>
-            <a:r>
-              <a:rPr lang="en-US" sz="2800" dirty="0" smtClean="0"/>
-              <a:t>APIs + factory pattern</a:t>
-            </a:r>
-          </a:p>
-          <a:p>
-            <a:r>
-              <a:rPr lang="en-US" sz="2800" dirty="0" smtClean="0"/>
-              <a:t>Depends on PHP </a:t>
-            </a:r>
-            <a:r>
-              <a:rPr lang="en-US" sz="2800" dirty="0" err="1" smtClean="0"/>
-              <a:t>Tsugi</a:t>
-            </a:r>
-            <a:endParaRPr lang="en-US" sz="2800" dirty="0" smtClean="0"/>
-          </a:p>
-          <a:p>
-            <a:pPr lvl="1"/>
-            <a:r>
-              <a:rPr lang="en-US" dirty="0" smtClean="0"/>
-              <a:t>Database table management</a:t>
-            </a:r>
-          </a:p>
-          <a:p>
-            <a:pPr lvl="1"/>
-            <a:r>
-              <a:rPr lang="en-US" dirty="0" smtClean="0"/>
-              <a:t>Developer test harness</a:t>
-            </a:r>
-          </a:p>
-          <a:p>
-            <a:pPr lvl="1"/>
-            <a:r>
-              <a:rPr lang="en-US" dirty="0" smtClean="0"/>
-              <a:t>Shares core data tables with PHP </a:t>
-            </a:r>
-            <a:r>
-              <a:rPr lang="en-US" dirty="0" err="1" smtClean="0"/>
-              <a:t>Tsugi</a:t>
-            </a:r>
-            <a:endParaRPr lang="en-US" dirty="0" smtClean="0"/>
-          </a:p>
-          <a:p>
-            <a:r>
-              <a:rPr lang="en-US" sz="2800" dirty="0" smtClean="0"/>
-              <a:t>More to develop</a:t>
-            </a:r>
-          </a:p>
-          <a:p>
-            <a:pPr lvl="1"/>
-            <a:r>
-              <a:rPr lang="en-US" dirty="0" smtClean="0"/>
-              <a:t>Java database/key admin</a:t>
-            </a:r>
-          </a:p>
-          <a:p>
-            <a:pPr lvl="1"/>
-            <a:r>
-              <a:rPr lang="en-US" dirty="0" smtClean="0"/>
-              <a:t>Java developer console</a:t>
-            </a:r>
-          </a:p>
-        </p:txBody>
-      </p:sp>
-      <p:sp>
-        <p:nvSpPr>
-          <p:cNvPr id="4" name="Title 3"/>
-          <p:cNvSpPr>
-            <a:spLocks noGrp="1"/>
-          </p:cNvSpPr>
-          <p:nvPr>
-            <p:ph type="title"/>
-          </p:nvPr>
-        </p:nvSpPr>
-        <p:spPr>
-          <a:xfrm>
-            <a:off x="457200" y="274638"/>
-            <a:ext cx="4058356" cy="1143000"/>
-          </a:xfrm>
-        </p:spPr>
-        <p:txBody>
-          <a:bodyPr/>
-          <a:lstStyle/>
-          <a:p>
-            <a:r>
-              <a:rPr lang="en-US" dirty="0" smtClean="0"/>
-              <a:t>Java </a:t>
-            </a:r>
-            <a:r>
-              <a:rPr lang="en-US" dirty="0" err="1" smtClean="0"/>
-              <a:t>Tsugi</a:t>
-            </a:r>
-            <a:endParaRPr lang="en-US" dirty="0"/>
-          </a:p>
-        </p:txBody>
-      </p:sp>
-      <p:sp>
-        <p:nvSpPr>
-          <p:cNvPr id="2" name="Rectangle 1"/>
-          <p:cNvSpPr/>
-          <p:nvPr/>
-        </p:nvSpPr>
-        <p:spPr>
-          <a:xfrm>
-            <a:off x="4430890" y="637705"/>
-            <a:ext cx="4211409" cy="461665"/>
-          </a:xfrm>
-          <a:prstGeom prst="rect">
-            <a:avLst/>
-          </a:prstGeom>
-        </p:spPr>
-        <p:txBody>
-          <a:bodyPr wrap="none">
-            <a:spAutoFit/>
-          </a:bodyPr>
-          <a:lstStyle/>
-          <a:p>
-            <a:r>
-              <a:rPr lang="en-US" sz="2400" dirty="0"/>
-              <a:t>http://</a:t>
-            </a:r>
-            <a:r>
-              <a:rPr lang="en-US" sz="2400" dirty="0" err="1"/>
-              <a:t>csev.github.io</a:t>
-            </a:r>
-            <a:r>
-              <a:rPr lang="en-US" sz="2400" dirty="0"/>
-              <a:t>/</a:t>
-            </a:r>
-            <a:r>
-              <a:rPr lang="en-US" sz="2400" dirty="0" err="1"/>
-              <a:t>tsugi</a:t>
-            </a:r>
-            <a:r>
-              <a:rPr lang="en-US" sz="2400" dirty="0"/>
-              <a:t>-java/</a:t>
-            </a:r>
-          </a:p>
-        </p:txBody>
-      </p:sp>
-    </p:spTree>
-    <p:extLst>
-      <p:ext uri="{BB962C8B-B14F-4D97-AF65-F5344CB8AC3E}">
-        <p14:creationId xmlns:p14="http://schemas.microsoft.com/office/powerpoint/2010/main" val="1085469985"/>
-      </p:ext>
-    </p:extLst>
-  </p:cSld>
-  <p:clrMapOvr>
-    <a:masterClrMapping/>
-  </p:clrMapOvr>
-  <p:timing>
-    <p:tnLst>
-      <p:par>
-        <p:cTn xmlns:p14="http://schemas.microsoft.com/office/powerpoint/2010/main" id="1" dur="indefinite" restart="never" nodeType="tmRoot"/>
-      </p:par>
-    </p:tnLst>
-  </p:timing>
 </p:sld>
 </file>
 

--- a/docs/lectures/00-Mini.pptx
+++ b/docs/lectures/00-Mini.pptx
@@ -24,7 +24,7 @@
     <p:sldId id="306" r:id="rId15"/>
     <p:sldId id="307" r:id="rId16"/>
     <p:sldId id="300" r:id="rId17"/>
-    <p:sldId id="308" r:id="rId18"/>
+    <p:sldId id="311" r:id="rId18"/>
     <p:sldId id="309" r:id="rId19"/>
     <p:sldId id="310" r:id="rId20"/>
   </p:sldIdLst>
@@ -5060,7 +5060,6 @@
               <a:rPr lang="en-US" dirty="0" smtClean="0"/>
               <a:t>Uses PHP Application Console</a:t>
             </a:r>
-            <a:endParaRPr lang="en-US" dirty="0" smtClean="0"/>
           </a:p>
         </p:txBody>
       </p:sp>
@@ -5650,17 +5649,12 @@
               <a:rPr lang="en-US" sz="2800" dirty="0" smtClean="0"/>
               <a:t>Depends on the </a:t>
             </a:r>
-            <a:endParaRPr lang="en-US" sz="2800" dirty="0" smtClean="0"/>
           </a:p>
           <a:p>
             <a:pPr lvl="1"/>
             <a:r>
               <a:rPr lang="en-US" dirty="0" smtClean="0"/>
-              <a:t>Handles LTI </a:t>
-            </a:r>
-            <a:r>
-              <a:rPr lang="en-US" dirty="0" smtClean="0"/>
-              <a:t>Launches</a:t>
+              <a:t>Handles LTI Launches</a:t>
             </a:r>
           </a:p>
           <a:p>
@@ -5684,7 +5678,6 @@
               <a:rPr lang="en-US" dirty="0" smtClean="0"/>
               <a:t>Uses PHP Console</a:t>
             </a:r>
-            <a:endParaRPr lang="en-US" dirty="0" smtClean="0"/>
           </a:p>
           <a:p>
             <a:r>
@@ -5697,13 +5690,8 @@
             </a:r>
             <a:r>
               <a:rPr lang="en-US" dirty="0" smtClean="0"/>
-              <a:t>lpha release </a:t>
-            </a:r>
-            <a:r>
-              <a:rPr lang="en-US" dirty="0" smtClean="0"/>
-              <a:t>Summer 2016</a:t>
-            </a:r>
-            <a:endParaRPr lang="en-US" dirty="0" smtClean="0"/>
+              <a:t>lpha release Summer 2016</a:t>
+            </a:r>
           </a:p>
         </p:txBody>
       </p:sp>
@@ -5800,9 +5788,8 @@
           <a:p>
             <a:r>
               <a:rPr lang="en-US" sz="2800" dirty="0" smtClean="0"/>
-              <a:t>Node Library Code</a:t>
-            </a:r>
-            <a:endParaRPr lang="en-US" sz="2800" dirty="0" smtClean="0"/>
+              <a:t>Node low-Level LTI code</a:t>
+            </a:r>
           </a:p>
           <a:p>
             <a:pPr lvl="1"/>
@@ -5824,6 +5811,72 @@
             </a:r>
             <a:r>
               <a:rPr lang="en-US" dirty="0"/>
+              <a:t>-node-</a:t>
+            </a:r>
+            <a:r>
+              <a:rPr lang="en-US" dirty="0" err="1"/>
+              <a:t>lti</a:t>
+            </a:r>
+            <a:endParaRPr lang="en-US" dirty="0" smtClean="0"/>
+          </a:p>
+          <a:p>
+            <a:pPr lvl="1"/>
+            <a:r>
+              <a:rPr lang="en-US" dirty="0"/>
+              <a:t>https://</a:t>
+            </a:r>
+            <a:r>
+              <a:rPr lang="en-US" dirty="0" err="1"/>
+              <a:t>www.npmjs.com</a:t>
+            </a:r>
+            <a:r>
+              <a:rPr lang="en-US" dirty="0"/>
+              <a:t>/package/</a:t>
+            </a:r>
+            <a:r>
+              <a:rPr lang="en-US" dirty="0" err="1"/>
+              <a:t>tsugi</a:t>
+            </a:r>
+            <a:r>
+              <a:rPr lang="en-US" dirty="0"/>
+              <a:t>-node-</a:t>
+            </a:r>
+            <a:r>
+              <a:rPr lang="en-US" dirty="0" err="1" smtClean="0"/>
+              <a:t>lti</a:t>
+            </a:r>
+            <a:endParaRPr lang="en-US" dirty="0" smtClean="0"/>
+          </a:p>
+          <a:p>
+            <a:r>
+              <a:rPr lang="en-US" sz="3200" dirty="0" smtClean="0"/>
+              <a:t>Node </a:t>
+            </a:r>
+            <a:r>
+              <a:rPr lang="en-US" sz="3200" dirty="0" smtClean="0"/>
+              <a:t>Library Code</a:t>
+            </a:r>
+          </a:p>
+          <a:p>
+            <a:pPr lvl="1"/>
+            <a:r>
+              <a:rPr lang="en-US" dirty="0"/>
+              <a:t>https://</a:t>
+            </a:r>
+            <a:r>
+              <a:rPr lang="en-US" dirty="0" err="1"/>
+              <a:t>github.com</a:t>
+            </a:r>
+            <a:r>
+              <a:rPr lang="en-US" dirty="0"/>
+              <a:t>/csev/</a:t>
+            </a:r>
+            <a:r>
+              <a:rPr lang="en-US" dirty="0" err="1"/>
+              <a:t>tsugi</a:t>
+            </a:r>
+            <a:r>
+              <a:rPr lang="en-US" dirty="0"/>
               <a:t>-</a:t>
             </a:r>
             <a:r>
@@ -5885,16 +5938,6 @@
             <a:r>
               <a:rPr lang="en-US" dirty="0" smtClean="0"/>
               <a:t>sample</a:t>
-            </a:r>
-          </a:p>
-          <a:p>
-            <a:pPr lvl="1"/>
-            <a:endParaRPr lang="en-US" dirty="0"/>
-          </a:p>
-          <a:p>
-            <a:r>
-              <a:rPr lang="en-US" dirty="0" smtClean="0"/>
-              <a:t>Very emergent...</a:t>
             </a:r>
             <a:endParaRPr lang="en-US" dirty="0" smtClean="0"/>
           </a:p>
@@ -5935,7 +5978,7 @@
     </p:spTree>
     <p:extLst>
       <p:ext uri="{BB962C8B-B14F-4D97-AF65-F5344CB8AC3E}">
-        <p14:creationId xmlns:p14="http://schemas.microsoft.com/office/powerpoint/2010/main" val="3185203973"/>
+        <p14:creationId xmlns:p14="http://schemas.microsoft.com/office/powerpoint/2010/main" val="133296376"/>
       </p:ext>
     </p:extLst>
   </p:cSld>
@@ -6874,25 +6917,15 @@
           <a:p>
             <a:r>
               <a:rPr lang="en-US" dirty="0" smtClean="0"/>
-              <a:t>Reduce the barriers to </a:t>
-            </a:r>
-            <a:r>
-              <a:rPr lang="en-US" dirty="0" smtClean="0"/>
-              <a:t>production</a:t>
-            </a:r>
-            <a:endParaRPr lang="en-US" dirty="0" smtClean="0"/>
+              <a:t>Reduce the barriers to production</a:t>
+            </a:r>
           </a:p>
           <a:p>
             <a:pPr lvl="1"/>
             <a:r>
               <a:rPr lang="en-US" dirty="0" smtClean="0"/>
-              <a:t>Easy to learn, easy to </a:t>
-            </a:r>
-            <a:r>
-              <a:rPr lang="en-US" dirty="0" smtClean="0"/>
-              <a:t>deploy (self-service)</a:t>
-            </a:r>
-            <a:endParaRPr lang="en-US" dirty="0" smtClean="0"/>
+              <a:t>Easy to learn, easy to deploy (self-service)</a:t>
+            </a:r>
           </a:p>
           <a:p>
             <a:pPr lvl="1"/>
@@ -6938,11 +6971,7 @@
             </a:r>
             <a:r>
               <a:rPr lang="en-US" dirty="0" smtClean="0"/>
-              <a:t> feature to upgrade </a:t>
-            </a:r>
-            <a:r>
-              <a:rPr lang="en-US" dirty="0" smtClean="0"/>
-              <a:t>schema</a:t>
+              <a:t> feature to upgrade schema</a:t>
             </a:r>
           </a:p>
           <a:p>
@@ -6950,7 +6979,6 @@
               <a:rPr lang="en-US" dirty="0" smtClean="0"/>
               <a:t>Recorded lectures – Perhaps a MOOC?</a:t>
             </a:r>
-            <a:endParaRPr lang="en-US" dirty="0" smtClean="0"/>
           </a:p>
         </p:txBody>
       </p:sp>

--- a/docs/lectures/00-Mini.pptx
+++ b/docs/lectures/00-Mini.pptx
@@ -5646,15 +5646,19 @@
           <a:lstStyle/>
           <a:p>
             <a:r>
-              <a:rPr lang="en-US" sz="2800" dirty="0" smtClean="0"/>
-              <a:t>Depends on the </a:t>
+              <a:rPr lang="en-US" smtClean="0"/>
+              <a:t>Based on Node 6.x and ES6</a:t>
             </a:r>
           </a:p>
           <a:p>
             <a:pPr lvl="1"/>
             <a:r>
               <a:rPr lang="en-US" dirty="0" smtClean="0"/>
-              <a:t>Handles LTI Launches</a:t>
+              <a:t>Handles </a:t>
+            </a:r>
+            <a:r>
+              <a:rPr lang="en-US" dirty="0" smtClean="0"/>
+              <a:t>LTI Launches</a:t>
             </a:r>
           </a:p>
           <a:p>
@@ -5669,15 +5673,51 @@
             </a:r>
             <a:r>
               <a:rPr lang="en-US" dirty="0" smtClean="0"/>
-              <a:t> database</a:t>
-            </a:r>
+              <a:t> </a:t>
+            </a:r>
+            <a:r>
+              <a:rPr lang="en-US" dirty="0" smtClean="0"/>
+              <a:t>database and maintains launch data</a:t>
+            </a:r>
+            <a:endParaRPr lang="en-US" dirty="0" smtClean="0"/>
           </a:p>
           <a:p>
             <a:pPr lvl="1"/>
             <a:r>
               <a:rPr lang="en-US" dirty="0" smtClean="0"/>
-              <a:t>Uses PHP Console</a:t>
-            </a:r>
+              <a:t>Uses PHP </a:t>
+            </a:r>
+            <a:r>
+              <a:rPr lang="en-US" dirty="0" smtClean="0"/>
+              <a:t>Console</a:t>
+            </a:r>
+          </a:p>
+          <a:p>
+            <a:r>
+              <a:rPr lang="en-US" dirty="0" smtClean="0"/>
+              <a:t>Depends </a:t>
+            </a:r>
+            <a:r>
+              <a:rPr lang="en-US" dirty="0"/>
+              <a:t>on the PHP </a:t>
+            </a:r>
+            <a:r>
+              <a:rPr lang="en-US" dirty="0" err="1" smtClean="0"/>
+              <a:t>Maint</a:t>
+            </a:r>
+            <a:r>
+              <a:rPr lang="en-US" dirty="0" smtClean="0"/>
+              <a:t>/</a:t>
+            </a:r>
+            <a:r>
+              <a:rPr lang="en-US" dirty="0" err="1" smtClean="0"/>
+              <a:t>Dev</a:t>
+            </a:r>
+            <a:r>
+              <a:rPr lang="en-US" dirty="0" smtClean="0"/>
+              <a:t>/Admin Console</a:t>
+            </a:r>
+            <a:endParaRPr lang="en-US" dirty="0" smtClean="0"/>
           </a:p>
           <a:p>
             <a:r>
@@ -5850,11 +5890,7 @@
           <a:p>
             <a:r>
               <a:rPr lang="en-US" sz="3200" dirty="0" smtClean="0"/>
-              <a:t>Node </a:t>
-            </a:r>
-            <a:r>
-              <a:rPr lang="en-US" sz="3200" dirty="0" smtClean="0"/>
-              <a:t>Library Code</a:t>
+              <a:t>Node Library Code</a:t>
             </a:r>
           </a:p>
           <a:p>
@@ -5939,7 +5975,6 @@
               <a:rPr lang="en-US" dirty="0" smtClean="0"/>
               <a:t>sample</a:t>
             </a:r>
-            <a:endParaRPr lang="en-US" dirty="0" smtClean="0"/>
           </a:p>
         </p:txBody>
       </p:sp>

--- a/docs/lectures/00-Mini.pptx
+++ b/docs/lectures/00-Mini.pptx
@@ -5,7 +5,7 @@
     <p:sldMasterId id="2147483660" r:id="rId1"/>
   </p:sldMasterIdLst>
   <p:notesMasterIdLst>
-    <p:notesMasterId r:id="rId21"/>
+    <p:notesMasterId r:id="rId20"/>
   </p:notesMasterIdLst>
   <p:sldIdLst>
     <p:sldId id="256" r:id="rId2"/>
@@ -26,7 +26,6 @@
     <p:sldId id="300" r:id="rId17"/>
     <p:sldId id="311" r:id="rId18"/>
     <p:sldId id="309" r:id="rId19"/>
-    <p:sldId id="310" r:id="rId20"/>
   </p:sldIdLst>
   <p:sldSz cx="9144000" cy="6858000" type="screen4x3"/>
   <p:notesSz cx="6858000" cy="9144000"/>
@@ -210,7 +209,7 @@
           <a:p>
             <a:fld id="{EBBA9A62-8DDB-0E41-B256-304B37729760}" type="datetimeFigureOut">
               <a:rPr lang="en-US" smtClean="0"/>
-              <a:t>5/22/16</a:t>
+              <a:t>5/24/16</a:t>
             </a:fld>
             <a:endParaRPr lang="en-US"/>
           </a:p>
@@ -1329,7 +1328,7 @@
           <a:p>
             <a:fld id="{843616F3-59E4-1848-8639-5E6A7639CF96}" type="datetimeFigureOut">
               <a:rPr lang="en-US" smtClean="0"/>
-              <a:t>5/22/16</a:t>
+              <a:t>5/24/16</a:t>
             </a:fld>
             <a:endParaRPr lang="en-US"/>
           </a:p>
@@ -1499,7 +1498,7 @@
           <a:p>
             <a:fld id="{843616F3-59E4-1848-8639-5E6A7639CF96}" type="datetimeFigureOut">
               <a:rPr lang="en-US" smtClean="0"/>
-              <a:t>5/22/16</a:t>
+              <a:t>5/24/16</a:t>
             </a:fld>
             <a:endParaRPr lang="en-US"/>
           </a:p>
@@ -1679,7 +1678,7 @@
           <a:p>
             <a:fld id="{843616F3-59E4-1848-8639-5E6A7639CF96}" type="datetimeFigureOut">
               <a:rPr lang="en-US" smtClean="0"/>
-              <a:t>5/22/16</a:t>
+              <a:t>5/24/16</a:t>
             </a:fld>
             <a:endParaRPr lang="en-US"/>
           </a:p>
@@ -1849,7 +1848,7 @@
           <a:p>
             <a:fld id="{843616F3-59E4-1848-8639-5E6A7639CF96}" type="datetimeFigureOut">
               <a:rPr lang="en-US" smtClean="0"/>
-              <a:t>5/22/16</a:t>
+              <a:t>5/24/16</a:t>
             </a:fld>
             <a:endParaRPr lang="en-US"/>
           </a:p>
@@ -2095,7 +2094,7 @@
           <a:p>
             <a:fld id="{843616F3-59E4-1848-8639-5E6A7639CF96}" type="datetimeFigureOut">
               <a:rPr lang="en-US" smtClean="0"/>
-              <a:t>5/22/16</a:t>
+              <a:t>5/24/16</a:t>
             </a:fld>
             <a:endParaRPr lang="en-US"/>
           </a:p>
@@ -2383,7 +2382,7 @@
           <a:p>
             <a:fld id="{843616F3-59E4-1848-8639-5E6A7639CF96}" type="datetimeFigureOut">
               <a:rPr lang="en-US" smtClean="0"/>
-              <a:t>5/22/16</a:t>
+              <a:t>5/24/16</a:t>
             </a:fld>
             <a:endParaRPr lang="en-US"/>
           </a:p>
@@ -2805,7 +2804,7 @@
           <a:p>
             <a:fld id="{843616F3-59E4-1848-8639-5E6A7639CF96}" type="datetimeFigureOut">
               <a:rPr lang="en-US" smtClean="0"/>
-              <a:t>5/22/16</a:t>
+              <a:t>5/24/16</a:t>
             </a:fld>
             <a:endParaRPr lang="en-US"/>
           </a:p>
@@ -2923,7 +2922,7 @@
           <a:p>
             <a:fld id="{843616F3-59E4-1848-8639-5E6A7639CF96}" type="datetimeFigureOut">
               <a:rPr lang="en-US" smtClean="0"/>
-              <a:t>5/22/16</a:t>
+              <a:t>5/24/16</a:t>
             </a:fld>
             <a:endParaRPr lang="en-US"/>
           </a:p>
@@ -3018,7 +3017,7 @@
           <a:p>
             <a:fld id="{843616F3-59E4-1848-8639-5E6A7639CF96}" type="datetimeFigureOut">
               <a:rPr lang="en-US" smtClean="0"/>
-              <a:t>5/22/16</a:t>
+              <a:t>5/24/16</a:t>
             </a:fld>
             <a:endParaRPr lang="en-US"/>
           </a:p>
@@ -3295,7 +3294,7 @@
           <a:p>
             <a:fld id="{843616F3-59E4-1848-8639-5E6A7639CF96}" type="datetimeFigureOut">
               <a:rPr lang="en-US" smtClean="0"/>
-              <a:t>5/22/16</a:t>
+              <a:t>5/24/16</a:t>
             </a:fld>
             <a:endParaRPr lang="en-US"/>
           </a:p>
@@ -3552,7 +3551,7 @@
           <a:p>
             <a:fld id="{843616F3-59E4-1848-8639-5E6A7639CF96}" type="datetimeFigureOut">
               <a:rPr lang="en-US" smtClean="0"/>
-              <a:t>5/22/16</a:t>
+              <a:t>5/24/16</a:t>
             </a:fld>
             <a:endParaRPr lang="en-US"/>
           </a:p>
@@ -3765,7 +3764,7 @@
           <a:p>
             <a:fld id="{843616F3-59E4-1848-8639-5E6A7639CF96}" type="datetimeFigureOut">
               <a:rPr lang="en-US" smtClean="0"/>
-              <a:t>5/22/16</a:t>
+              <a:t>5/24/16</a:t>
             </a:fld>
             <a:endParaRPr lang="en-US"/>
           </a:p>
@@ -4371,7 +4370,7 @@
 </file>
 
 <file path=ppt/slides/slide10.xml><?xml version="1.0" encoding="utf-8"?>
-<p:sld xmlns:a="http://schemas.openxmlformats.org/drawingml/2006/main" xmlns:r="http://schemas.openxmlformats.org/officeDocument/2006/relationships" xmlns:p="http://schemas.openxmlformats.org/presentationml/2006/main">
+<p:sld xmlns:a="http://schemas.openxmlformats.org/drawingml/2006/main" xmlns:r="http://schemas.openxmlformats.org/officeDocument/2006/relationships" xmlns:p="http://schemas.openxmlformats.org/presentationml/2006/main" show="0">
   <p:cSld>
     <p:spTree>
       <p:nvGrpSpPr>
@@ -4581,11 +4580,19 @@
   <p:clrMapOvr>
     <a:masterClrMapping/>
   </p:clrMapOvr>
+  <mc:AlternateContent xmlns:mc="http://schemas.openxmlformats.org/markup-compatibility/2006">
+    <mc:Choice xmlns:p14="http://schemas.microsoft.com/office/powerpoint/2010/main" Requires="p14">
+      <p:transition spd="slow" p14:dur="2000"/>
+    </mc:Choice>
+    <mc:Fallback>
+      <p:transition xmlns:p14="http://schemas.microsoft.com/office/powerpoint/2010/main" spd="slow"/>
+    </mc:Fallback>
+  </mc:AlternateContent>
 </p:sld>
 </file>
 
 <file path=ppt/slides/slide11.xml><?xml version="1.0" encoding="utf-8"?>
-<p:sld xmlns:a="http://schemas.openxmlformats.org/drawingml/2006/main" xmlns:r="http://schemas.openxmlformats.org/officeDocument/2006/relationships" xmlns:p="http://schemas.openxmlformats.org/presentationml/2006/main">
+<p:sld xmlns:a="http://schemas.openxmlformats.org/drawingml/2006/main" xmlns:r="http://schemas.openxmlformats.org/officeDocument/2006/relationships" xmlns:p="http://schemas.openxmlformats.org/presentationml/2006/main" show="0">
   <p:cSld>
     <p:spTree>
       <p:nvGrpSpPr>
@@ -4828,6 +4835,14 @@
   <p:clrMapOvr>
     <a:masterClrMapping/>
   </p:clrMapOvr>
+  <mc:AlternateContent xmlns:mc="http://schemas.openxmlformats.org/markup-compatibility/2006">
+    <mc:Choice xmlns:p14="http://schemas.microsoft.com/office/powerpoint/2010/main" Requires="p14">
+      <p:transition spd="slow" p14:dur="2000"/>
+    </mc:Choice>
+    <mc:Fallback>
+      <p:transition xmlns:p14="http://schemas.microsoft.com/office/powerpoint/2010/main" spd="slow"/>
+    </mc:Fallback>
+  </mc:AlternateContent>
 </p:sld>
 </file>
 
@@ -5116,7 +5131,7 @@
 </file>
 
 <file path=ppt/slides/slide14.xml><?xml version="1.0" encoding="utf-8"?>
-<p:sld xmlns:a="http://schemas.openxmlformats.org/drawingml/2006/main" xmlns:r="http://schemas.openxmlformats.org/officeDocument/2006/relationships" xmlns:p="http://schemas.openxmlformats.org/presentationml/2006/main">
+<p:sld xmlns:a="http://schemas.openxmlformats.org/drawingml/2006/main" xmlns:r="http://schemas.openxmlformats.org/officeDocument/2006/relationships" xmlns:p="http://schemas.openxmlformats.org/presentationml/2006/main" show="0">
   <p:cSld>
     <p:spTree>
       <p:nvGrpSpPr>
@@ -5422,11 +5437,19 @@
   <p:clrMapOvr>
     <a:masterClrMapping/>
   </p:clrMapOvr>
+  <mc:AlternateContent xmlns:mc="http://schemas.openxmlformats.org/markup-compatibility/2006">
+    <mc:Choice xmlns:p14="http://schemas.microsoft.com/office/powerpoint/2010/main" Requires="p14">
+      <p:transition spd="slow" p14:dur="2000"/>
+    </mc:Choice>
+    <mc:Fallback>
+      <p:transition xmlns:p14="http://schemas.microsoft.com/office/powerpoint/2010/main" spd="slow"/>
+    </mc:Fallback>
+  </mc:AlternateContent>
 </p:sld>
 </file>
 
 <file path=ppt/slides/slide15.xml><?xml version="1.0" encoding="utf-8"?>
-<p:sld xmlns:a="http://schemas.openxmlformats.org/drawingml/2006/main" xmlns:r="http://schemas.openxmlformats.org/officeDocument/2006/relationships" xmlns:p="http://schemas.openxmlformats.org/presentationml/2006/main">
+<p:sld xmlns:a="http://schemas.openxmlformats.org/drawingml/2006/main" xmlns:r="http://schemas.openxmlformats.org/officeDocument/2006/relationships" xmlns:p="http://schemas.openxmlformats.org/presentationml/2006/main" show="0">
   <p:cSld>
     <p:spTree>
       <p:nvGrpSpPr>
@@ -5603,6 +5626,14 @@
   <p:clrMapOvr>
     <a:masterClrMapping/>
   </p:clrMapOvr>
+  <mc:AlternateContent xmlns:mc="http://schemas.openxmlformats.org/markup-compatibility/2006">
+    <mc:Choice xmlns:p14="http://schemas.microsoft.com/office/powerpoint/2010/main" Requires="p14">
+      <p:transition spd="slow" p14:dur="2000"/>
+    </mc:Choice>
+    <mc:Fallback>
+      <p:transition xmlns:p14="http://schemas.microsoft.com/office/powerpoint/2010/main" spd="slow"/>
+    </mc:Fallback>
+  </mc:AlternateContent>
 </p:sld>
 </file>
 
@@ -5654,11 +5685,7 @@
             <a:pPr lvl="1"/>
             <a:r>
               <a:rPr lang="en-US" dirty="0" smtClean="0"/>
-              <a:t>Handles </a:t>
-            </a:r>
-            <a:r>
-              <a:rPr lang="en-US" dirty="0" smtClean="0"/>
-              <a:t>LTI Launches</a:t>
+              <a:t>Handles LTI Launches</a:t>
             </a:r>
           </a:p>
           <a:p>
@@ -5673,23 +5700,14 @@
             </a:r>
             <a:r>
               <a:rPr lang="en-US" dirty="0" smtClean="0"/>
-              <a:t> </a:t>
-            </a:r>
-            <a:r>
-              <a:rPr lang="en-US" dirty="0" smtClean="0"/>
-              <a:t>database and maintains launch data</a:t>
-            </a:r>
-            <a:endParaRPr lang="en-US" dirty="0" smtClean="0"/>
+              <a:t> database and maintains launch data</a:t>
+            </a:r>
           </a:p>
           <a:p>
             <a:pPr lvl="1"/>
             <a:r>
               <a:rPr lang="en-US" dirty="0" smtClean="0"/>
-              <a:t>Uses PHP </a:t>
-            </a:r>
-            <a:r>
-              <a:rPr lang="en-US" dirty="0" smtClean="0"/>
-              <a:t>Console</a:t>
+              <a:t>Uses PHP Console</a:t>
             </a:r>
           </a:p>
           <a:p>
@@ -5717,7 +5735,6 @@
               <a:rPr lang="en-US" dirty="0" smtClean="0"/>
               <a:t>/Admin Console</a:t>
             </a:r>
-            <a:endParaRPr lang="en-US" dirty="0" smtClean="0"/>
           </a:p>
           <a:p>
             <a:r>
@@ -5788,7 +5805,7 @@
 </file>
 
 <file path=ppt/slides/slide17.xml><?xml version="1.0" encoding="utf-8"?>
-<p:sld xmlns:a="http://schemas.openxmlformats.org/drawingml/2006/main" xmlns:r="http://schemas.openxmlformats.org/officeDocument/2006/relationships" xmlns:p="http://schemas.openxmlformats.org/presentationml/2006/main">
+<p:sld xmlns:a="http://schemas.openxmlformats.org/drawingml/2006/main" xmlns:r="http://schemas.openxmlformats.org/officeDocument/2006/relationships" xmlns:p="http://schemas.openxmlformats.org/presentationml/2006/main" show="0">
   <p:cSld>
     <p:spTree>
       <p:nvGrpSpPr>
@@ -6020,6 +6037,14 @@
   <p:clrMapOvr>
     <a:masterClrMapping/>
   </p:clrMapOvr>
+  <mc:AlternateContent xmlns:mc="http://schemas.openxmlformats.org/markup-compatibility/2006">
+    <mc:Choice xmlns:p14="http://schemas.microsoft.com/office/powerpoint/2010/main" Requires="p14">
+      <p:transition spd="slow" p14:dur="2000"/>
+    </mc:Choice>
+    <mc:Fallback>
+      <p:transition xmlns:p14="http://schemas.microsoft.com/office/powerpoint/2010/main" spd="slow"/>
+    </mc:Fallback>
+  </mc:AlternateContent>
   <p:timing>
     <p:tnLst>
       <p:par>
@@ -6064,7 +6089,11 @@
           <a:p>
             <a:r>
               <a:rPr lang="en-US" dirty="0" smtClean="0"/>
-              <a:t>Summary</a:t>
+              <a:t>Summary – </a:t>
+            </a:r>
+            <a:r>
+              <a:rPr lang="en-US" dirty="0" err="1" smtClean="0"/>
+              <a:t>www.tsugi.org</a:t>
             </a:r>
             <a:endParaRPr lang="en-US" dirty="0"/>
           </a:p>
@@ -6194,66 +6223,6 @@
 </p:sld>
 </file>
 
-<file path=ppt/slides/slide19.xml><?xml version="1.0" encoding="utf-8"?>
-<p:sld xmlns:a="http://schemas.openxmlformats.org/drawingml/2006/main" xmlns:r="http://schemas.openxmlformats.org/officeDocument/2006/relationships" xmlns:p="http://schemas.openxmlformats.org/presentationml/2006/main">
-  <p:cSld>
-    <p:spTree>
-      <p:nvGrpSpPr>
-        <p:cNvPr id="1" name=""/>
-        <p:cNvGrpSpPr/>
-        <p:nvPr/>
-      </p:nvGrpSpPr>
-      <p:grpSpPr>
-        <a:xfrm>
-          <a:off x="0" y="0"/>
-          <a:ext cx="0" cy="0"/>
-          <a:chOff x="0" y="0"/>
-          <a:chExt cx="0" cy="0"/>
-        </a:xfrm>
-      </p:grpSpPr>
-      <p:pic>
-        <p:nvPicPr>
-          <p:cNvPr id="4" name="Picture 3" descr="Untitled.png"/>
-          <p:cNvPicPr>
-            <a:picLocks noChangeAspect="1"/>
-          </p:cNvPicPr>
-          <p:nvPr/>
-        </p:nvPicPr>
-        <p:blipFill>
-          <a:blip r:embed="rId2">
-            <a:extLst>
-              <a:ext uri="{28A0092B-C50C-407E-A947-70E740481C1C}">
-                <a14:useLocalDpi xmlns:a14="http://schemas.microsoft.com/office/drawing/2010/main" val="0"/>
-              </a:ext>
-            </a:extLst>
-          </a:blip>
-          <a:stretch>
-            <a:fillRect/>
-          </a:stretch>
-        </p:blipFill>
-        <p:spPr>
-          <a:xfrm>
-            <a:off x="0" y="171227"/>
-            <a:ext cx="9144000" cy="6289760"/>
-          </a:xfrm>
-          <a:prstGeom prst="rect">
-            <a:avLst/>
-          </a:prstGeom>
-        </p:spPr>
-      </p:pic>
-    </p:spTree>
-    <p:extLst>
-      <p:ext uri="{BB962C8B-B14F-4D97-AF65-F5344CB8AC3E}">
-        <p14:creationId xmlns:p14="http://schemas.microsoft.com/office/powerpoint/2010/main" val="975153786"/>
-      </p:ext>
-    </p:extLst>
-  </p:cSld>
-  <p:clrMapOvr>
-    <a:masterClrMapping/>
-  </p:clrMapOvr>
-</p:sld>
-</file>
-
 <file path=ppt/slides/slide2.xml><?xml version="1.0" encoding="utf-8"?>
 <p:sld xmlns:a="http://schemas.openxmlformats.org/drawingml/2006/main" xmlns:r="http://schemas.openxmlformats.org/officeDocument/2006/relationships" xmlns:p="http://schemas.openxmlformats.org/presentationml/2006/main">
   <p:cSld>
@@ -6380,7 +6349,7 @@
 </file>
 
 <file path=ppt/slides/slide3.xml><?xml version="1.0" encoding="utf-8"?>
-<p:sld xmlns:a="http://schemas.openxmlformats.org/drawingml/2006/main" xmlns:r="http://schemas.openxmlformats.org/officeDocument/2006/relationships" xmlns:p="http://schemas.openxmlformats.org/presentationml/2006/main">
+<p:sld xmlns:a="http://schemas.openxmlformats.org/drawingml/2006/main" xmlns:r="http://schemas.openxmlformats.org/officeDocument/2006/relationships" xmlns:p="http://schemas.openxmlformats.org/presentationml/2006/main" show="0">
   <p:cSld>
     <p:spTree>
       <p:nvGrpSpPr>
@@ -6515,11 +6484,19 @@
   <p:clrMapOvr>
     <a:masterClrMapping/>
   </p:clrMapOvr>
+  <mc:AlternateContent xmlns:mc="http://schemas.openxmlformats.org/markup-compatibility/2006">
+    <mc:Choice xmlns:p14="http://schemas.microsoft.com/office/powerpoint/2010/main" Requires="p14">
+      <p:transition spd="slow" p14:dur="2000"/>
+    </mc:Choice>
+    <mc:Fallback>
+      <p:transition xmlns:p14="http://schemas.microsoft.com/office/powerpoint/2010/main" spd="slow"/>
+    </mc:Fallback>
+  </mc:AlternateContent>
 </p:sld>
 </file>
 
 <file path=ppt/slides/slide4.xml><?xml version="1.0" encoding="utf-8"?>
-<p:sld xmlns:a="http://schemas.openxmlformats.org/drawingml/2006/main" xmlns:r="http://schemas.openxmlformats.org/officeDocument/2006/relationships" xmlns:p="http://schemas.openxmlformats.org/presentationml/2006/main">
+<p:sld xmlns:a="http://schemas.openxmlformats.org/drawingml/2006/main" xmlns:r="http://schemas.openxmlformats.org/officeDocument/2006/relationships" xmlns:p="http://schemas.openxmlformats.org/presentationml/2006/main" show="0">
   <p:cSld>
     <p:spTree>
       <p:nvGrpSpPr>
@@ -6646,6 +6623,14 @@
   <p:clrMapOvr>
     <a:masterClrMapping/>
   </p:clrMapOvr>
+  <mc:AlternateContent xmlns:mc="http://schemas.openxmlformats.org/markup-compatibility/2006">
+    <mc:Choice xmlns:p14="http://schemas.microsoft.com/office/powerpoint/2010/main" Requires="p14">
+      <p:transition spd="slow" p14:dur="2000"/>
+    </mc:Choice>
+    <mc:Fallback>
+      <p:transition xmlns:p14="http://schemas.microsoft.com/office/powerpoint/2010/main" spd="slow"/>
+    </mc:Fallback>
+  </mc:AlternateContent>
 </p:sld>
 </file>
 
@@ -7084,6 +7069,14 @@
   <p:clrMapOvr>
     <a:masterClrMapping/>
   </p:clrMapOvr>
+  <mc:AlternateContent xmlns:mc="http://schemas.openxmlformats.org/markup-compatibility/2006">
+    <mc:Choice xmlns:p14="http://schemas.microsoft.com/office/powerpoint/2010/main" Requires="p14">
+      <p:transition spd="slow" p14:dur="2000"/>
+    </mc:Choice>
+    <mc:Fallback>
+      <p:transition xmlns:p14="http://schemas.microsoft.com/office/powerpoint/2010/main" spd="slow"/>
+    </mc:Fallback>
+  </mc:AlternateContent>
   <p:timing>
     <p:tnLst>
       <p:par>
